--- a/Pitching.pptx
+++ b/Pitching.pptx
@@ -1,23 +1,24 @@
 
 <file path=ppt/presentation.xml><?xml version="1.0" encoding="utf-8"?>
-<p:presentation xmlns:a="http://schemas.openxmlformats.org/drawingml/2006/main" xmlns:r="http://schemas.openxmlformats.org/officeDocument/2006/relationships" xmlns:mc="http://schemas.openxmlformats.org/markup-compatibility/2006" xmlns:mv="urn:schemas-microsoft-com:mac:vml" xmlns:p="http://schemas.openxmlformats.org/presentationml/2006/main" xmlns:c="http://schemas.openxmlformats.org/drawingml/2006/chart" xmlns:dgm="http://schemas.openxmlformats.org/drawingml/2006/diagram" xmlns:o="urn:schemas-microsoft-com:office:office" xmlns:v="urn:schemas-microsoft-com:vml" xmlns:pvml="urn:schemas-microsoft-com:office:powerpoint" xmlns:com="http://schemas.openxmlformats.org/drawingml/2006/compatibility" xmlns:p14="http://schemas.microsoft.com/office/powerpoint/2010/main" autoCompressPictures="0" strictFirstAndLastChars="0" saveSubsetFonts="1">
+<p:presentation xmlns:a="http://schemas.openxmlformats.org/drawingml/2006/main" xmlns:r="http://schemas.openxmlformats.org/officeDocument/2006/relationships" xmlns:p="http://schemas.openxmlformats.org/presentationml/2006/main" strictFirstAndLastChars="0" saveSubsetFonts="1" autoCompressPictures="0">
   <p:sldMasterIdLst>
-    <p:sldMasterId id="2147483659" r:id="rId3"/>
+    <p:sldMasterId id="2147483659" r:id="rId1"/>
   </p:sldMasterIdLst>
   <p:notesMasterIdLst>
-    <p:notesMasterId r:id="rId4"/>
+    <p:notesMasterId r:id="rId8"/>
   </p:notesMasterIdLst>
   <p:sldIdLst>
-    <p:sldId id="256" r:id="rId5"/>
-    <p:sldId id="257" r:id="rId6"/>
-    <p:sldId id="258" r:id="rId7"/>
-    <p:sldId id="259" r:id="rId8"/>
-    <p:sldId id="260" r:id="rId9"/>
+    <p:sldId id="256" r:id="rId2"/>
+    <p:sldId id="257" r:id="rId3"/>
+    <p:sldId id="258" r:id="rId4"/>
+    <p:sldId id="259" r:id="rId5"/>
+    <p:sldId id="260" r:id="rId6"/>
+    <p:sldId id="261" r:id="rId7"/>
   </p:sldIdLst>
-  <p:sldSz cy="5143500" cx="9144000"/>
+  <p:sldSz cx="9144000" cy="5143500" type="screen16x9"/>
   <p:notesSz cx="6858000" cy="9144000"/>
   <p:defaultTextStyle>
-    <a:defPPr lvl="0" marR="0" rtl="0" algn="l">
+    <a:defPPr marR="0" lvl="0" algn="l" rtl="0">
       <a:lnSpc>
         <a:spcPct val="100000"/>
       </a:lnSpc>
@@ -28,7 +29,7 @@
         <a:spcPts val="0"/>
       </a:spcAft>
     </a:defPPr>
-    <a:lvl1pPr lvl="0" marR="0" rtl="0" algn="l">
+    <a:lvl1pPr marR="0" lvl="0" algn="l" rtl="0">
       <a:lnSpc>
         <a:spcPct val="100000"/>
       </a:lnSpc>
@@ -39,7 +40,7 @@
         <a:spcPts val="0"/>
       </a:spcAft>
       <a:buNone/>
-      <a:defRPr b="0" i="0" sz="1400" u="none" cap="none" strike="noStrike">
+      <a:defRPr sz="1400" b="0" i="0" u="none" strike="noStrike" cap="none">
         <a:solidFill>
           <a:srgbClr val="000000"/>
         </a:solidFill>
@@ -47,10 +48,9 @@
         <a:ea typeface="Arial"/>
         <a:cs typeface="Arial"/>
         <a:sym typeface="Arial"/>
-        <a:rtl val="0"/>
       </a:defRPr>
     </a:lvl1pPr>
-    <a:lvl2pPr lvl="1" marR="0" rtl="0" algn="l">
+    <a:lvl2pPr marR="0" lvl="1" algn="l" rtl="0">
       <a:lnSpc>
         <a:spcPct val="100000"/>
       </a:lnSpc>
@@ -61,7 +61,7 @@
         <a:spcPts val="0"/>
       </a:spcAft>
       <a:buNone/>
-      <a:defRPr b="0" i="0" sz="1400" u="none" cap="none" strike="noStrike">
+      <a:defRPr sz="1400" b="0" i="0" u="none" strike="noStrike" cap="none">
         <a:solidFill>
           <a:srgbClr val="000000"/>
         </a:solidFill>
@@ -69,10 +69,9 @@
         <a:ea typeface="Arial"/>
         <a:cs typeface="Arial"/>
         <a:sym typeface="Arial"/>
-        <a:rtl val="0"/>
       </a:defRPr>
     </a:lvl2pPr>
-    <a:lvl3pPr lvl="2" marR="0" rtl="0" algn="l">
+    <a:lvl3pPr marR="0" lvl="2" algn="l" rtl="0">
       <a:lnSpc>
         <a:spcPct val="100000"/>
       </a:lnSpc>
@@ -83,7 +82,7 @@
         <a:spcPts val="0"/>
       </a:spcAft>
       <a:buNone/>
-      <a:defRPr b="0" i="0" sz="1400" u="none" cap="none" strike="noStrike">
+      <a:defRPr sz="1400" b="0" i="0" u="none" strike="noStrike" cap="none">
         <a:solidFill>
           <a:srgbClr val="000000"/>
         </a:solidFill>
@@ -91,10 +90,9 @@
         <a:ea typeface="Arial"/>
         <a:cs typeface="Arial"/>
         <a:sym typeface="Arial"/>
-        <a:rtl val="0"/>
       </a:defRPr>
     </a:lvl3pPr>
-    <a:lvl4pPr lvl="3" marR="0" rtl="0" algn="l">
+    <a:lvl4pPr marR="0" lvl="3" algn="l" rtl="0">
       <a:lnSpc>
         <a:spcPct val="100000"/>
       </a:lnSpc>
@@ -105,7 +103,7 @@
         <a:spcPts val="0"/>
       </a:spcAft>
       <a:buNone/>
-      <a:defRPr b="0" i="0" sz="1400" u="none" cap="none" strike="noStrike">
+      <a:defRPr sz="1400" b="0" i="0" u="none" strike="noStrike" cap="none">
         <a:solidFill>
           <a:srgbClr val="000000"/>
         </a:solidFill>
@@ -113,10 +111,9 @@
         <a:ea typeface="Arial"/>
         <a:cs typeface="Arial"/>
         <a:sym typeface="Arial"/>
-        <a:rtl val="0"/>
       </a:defRPr>
     </a:lvl4pPr>
-    <a:lvl5pPr lvl="4" marR="0" rtl="0" algn="l">
+    <a:lvl5pPr marR="0" lvl="4" algn="l" rtl="0">
       <a:lnSpc>
         <a:spcPct val="100000"/>
       </a:lnSpc>
@@ -127,7 +124,7 @@
         <a:spcPts val="0"/>
       </a:spcAft>
       <a:buNone/>
-      <a:defRPr b="0" i="0" sz="1400" u="none" cap="none" strike="noStrike">
+      <a:defRPr sz="1400" b="0" i="0" u="none" strike="noStrike" cap="none">
         <a:solidFill>
           <a:srgbClr val="000000"/>
         </a:solidFill>
@@ -135,10 +132,9 @@
         <a:ea typeface="Arial"/>
         <a:cs typeface="Arial"/>
         <a:sym typeface="Arial"/>
-        <a:rtl val="0"/>
       </a:defRPr>
     </a:lvl5pPr>
-    <a:lvl6pPr lvl="5" marR="0" rtl="0" algn="l">
+    <a:lvl6pPr marR="0" lvl="5" algn="l" rtl="0">
       <a:lnSpc>
         <a:spcPct val="100000"/>
       </a:lnSpc>
@@ -149,7 +145,7 @@
         <a:spcPts val="0"/>
       </a:spcAft>
       <a:buNone/>
-      <a:defRPr b="0" i="0" sz="1400" u="none" cap="none" strike="noStrike">
+      <a:defRPr sz="1400" b="0" i="0" u="none" strike="noStrike" cap="none">
         <a:solidFill>
           <a:srgbClr val="000000"/>
         </a:solidFill>
@@ -157,10 +153,9 @@
         <a:ea typeface="Arial"/>
         <a:cs typeface="Arial"/>
         <a:sym typeface="Arial"/>
-        <a:rtl val="0"/>
       </a:defRPr>
     </a:lvl6pPr>
-    <a:lvl7pPr lvl="6" marR="0" rtl="0" algn="l">
+    <a:lvl7pPr marR="0" lvl="6" algn="l" rtl="0">
       <a:lnSpc>
         <a:spcPct val="100000"/>
       </a:lnSpc>
@@ -171,7 +166,7 @@
         <a:spcPts val="0"/>
       </a:spcAft>
       <a:buNone/>
-      <a:defRPr b="0" i="0" sz="1400" u="none" cap="none" strike="noStrike">
+      <a:defRPr sz="1400" b="0" i="0" u="none" strike="noStrike" cap="none">
         <a:solidFill>
           <a:srgbClr val="000000"/>
         </a:solidFill>
@@ -179,10 +174,9 @@
         <a:ea typeface="Arial"/>
         <a:cs typeface="Arial"/>
         <a:sym typeface="Arial"/>
-        <a:rtl val="0"/>
       </a:defRPr>
     </a:lvl7pPr>
-    <a:lvl8pPr lvl="7" marR="0" rtl="0" algn="l">
+    <a:lvl8pPr marR="0" lvl="7" algn="l" rtl="0">
       <a:lnSpc>
         <a:spcPct val="100000"/>
       </a:lnSpc>
@@ -193,7 +187,7 @@
         <a:spcPts val="0"/>
       </a:spcAft>
       <a:buNone/>
-      <a:defRPr b="0" i="0" sz="1400" u="none" cap="none" strike="noStrike">
+      <a:defRPr sz="1400" b="0" i="0" u="none" strike="noStrike" cap="none">
         <a:solidFill>
           <a:srgbClr val="000000"/>
         </a:solidFill>
@@ -201,10 +195,9 @@
         <a:ea typeface="Arial"/>
         <a:cs typeface="Arial"/>
         <a:sym typeface="Arial"/>
-        <a:rtl val="0"/>
       </a:defRPr>
     </a:lvl8pPr>
-    <a:lvl9pPr lvl="8" marR="0" rtl="0" algn="l">
+    <a:lvl9pPr marR="0" lvl="8" algn="l" rtl="0">
       <a:lnSpc>
         <a:spcPct val="100000"/>
       </a:lnSpc>
@@ -215,7 +208,7 @@
         <a:spcPts val="0"/>
       </a:spcAft>
       <a:buNone/>
-      <a:defRPr b="0" i="0" sz="1400" u="none" cap="none" strike="noStrike">
+      <a:defRPr sz="1400" b="0" i="0" u="none" strike="noStrike" cap="none">
         <a:solidFill>
           <a:srgbClr val="000000"/>
         </a:solidFill>
@@ -223,19 +216,23 @@
         <a:ea typeface="Arial"/>
         <a:cs typeface="Arial"/>
         <a:sym typeface="Arial"/>
-        <a:rtl val="0"/>
       </a:defRPr>
     </a:lvl9pPr>
   </p:defaultTextStyle>
 </p:presentation>
 </file>
 
-<file path=ppt/notesMasters/notesMaster.xml><?xml version="1.0" encoding="utf-8"?>
-<p:notesMaster xmlns:a="http://schemas.openxmlformats.org/drawingml/2006/main" xmlns:r="http://schemas.openxmlformats.org/officeDocument/2006/relationships" xmlns:mc="http://schemas.openxmlformats.org/markup-compatibility/2006" xmlns:mv="urn:schemas-microsoft-com:mac:vml" xmlns:p="http://schemas.openxmlformats.org/presentationml/2006/main" xmlns:c="http://schemas.openxmlformats.org/drawingml/2006/chart" xmlns:dgm="http://schemas.openxmlformats.org/drawingml/2006/diagram" xmlns:o="urn:schemas-microsoft-com:office:office" xmlns:v="urn:schemas-microsoft-com:vml" xmlns:pvml="urn:schemas-microsoft-com:office:powerpoint" xmlns:com="http://schemas.openxmlformats.org/drawingml/2006/compatibility" xmlns:p14="http://schemas.microsoft.com/office/powerpoint/2010/main">
+<file path=ppt/notesMasters/notesMaster1.xml><?xml version="1.0" encoding="utf-8"?>
+<p:notesMaster xmlns:a="http://schemas.openxmlformats.org/drawingml/2006/main" xmlns:r="http://schemas.openxmlformats.org/officeDocument/2006/relationships" xmlns:p="http://schemas.openxmlformats.org/presentationml/2006/main">
   <p:cSld>
+    <p:bg>
+      <p:bgRef idx="1001">
+        <a:schemeClr val="bg1"/>
+      </p:bgRef>
+    </p:bg>
     <p:spTree>
       <p:nvGrpSpPr>
-        <p:cNvPr id="2" name="Shape 2"/>
+        <p:cNvPr id="1" name="Shape 2"/>
         <p:cNvGrpSpPr/>
         <p:nvPr/>
       </p:nvGrpSpPr>
@@ -250,9 +247,11 @@
       <p:sp>
         <p:nvSpPr>
           <p:cNvPr id="3" name="Shape 3"/>
-          <p:cNvSpPr/>
+          <p:cNvSpPr>
+            <a:spLocks noGrp="1" noRot="1" noChangeAspect="1"/>
+          </p:cNvSpPr>
           <p:nvPr>
-            <p:ph idx="2" type="sldImg"/>
+            <p:ph type="sldImg" idx="2"/>
           </p:nvPr>
         </p:nvSpPr>
         <p:spPr>
@@ -261,8 +260,13 @@
             <a:ext cx="6096075" cy="3429000"/>
           </a:xfrm>
           <a:custGeom>
+            <a:avLst/>
+            <a:gdLst/>
+            <a:ahLst/>
+            <a:cxnLst/>
+            <a:rect l="0" t="0" r="0" b="0"/>
             <a:pathLst>
-              <a:path extrusionOk="0" h="120000" w="120000">
+              <a:path w="120000" h="120000" extrusionOk="0">
                 <a:moveTo>
                   <a:pt x="0" y="0"/>
                 </a:moveTo>
@@ -280,23 +284,25 @@
             </a:pathLst>
           </a:custGeom>
           <a:noFill/>
-          <a:ln cap="flat" cmpd="sng" w="9525">
+          <a:ln w="9525" cap="flat" cmpd="sng">
             <a:solidFill>
               <a:srgbClr val="000000"/>
             </a:solidFill>
             <a:prstDash val="solid"/>
             <a:round/>
-            <a:headEnd len="med" w="med" type="none"/>
-            <a:tailEnd len="med" w="med" type="none"/>
+            <a:headEnd type="none" w="med" len="med"/>
+            <a:tailEnd type="none" w="med" len="med"/>
           </a:ln>
         </p:spPr>
       </p:sp>
       <p:sp>
         <p:nvSpPr>
           <p:cNvPr id="4" name="Shape 4"/>
-          <p:cNvSpPr txBox="1"/>
+          <p:cNvSpPr txBox="1">
+            <a:spLocks noGrp="1"/>
+          </p:cNvSpPr>
           <p:nvPr>
-            <p:ph idx="1" type="body"/>
+            <p:ph type="body" idx="1"/>
           </p:nvPr>
         </p:nvSpPr>
         <p:spPr>
@@ -313,7 +319,7 @@
           </a:ln>
         </p:spPr>
         <p:txBody>
-          <a:bodyPr anchorCtr="0" anchor="t" bIns="91425" lIns="91425" rIns="91425" tIns="91425"/>
+          <a:bodyPr lIns="91425" tIns="91425" rIns="91425" bIns="91425" anchor="t" anchorCtr="0"/>
           <a:lstStyle>
             <a:lvl1pPr lvl="0">
               <a:spcBef>
@@ -370,21 +376,115 @@
               <a:defRPr sz="1100"/>
             </a:lvl9pPr>
           </a:lstStyle>
-          <a:p/>
+          <a:p>
+            <a:endParaRPr/>
+          </a:p>
         </p:txBody>
       </p:sp>
     </p:spTree>
   </p:cSld>
-  <p:clrMap accent1="accent1" accent2="accent2" accent3="accent3" accent4="accent4" accent5="accent5" accent6="accent6" bg1="lt1" bg2="dk2" tx1="dk1" tx2="lt2" folHlink="folHlink" hlink="hlink"/>
+  <p:clrMap bg1="lt1" tx1="dk1" bg2="dk2" tx2="lt2" accent1="accent1" accent2="accent2" accent3="accent3" accent4="accent4" accent5="accent5" accent6="accent6" hlink="hlink" folHlink="folHlink"/>
+  <p:notesStyle>
+    <a:lvl1pPr marL="0" algn="l" defTabSz="914400" rtl="0" eaLnBrk="1" latinLnBrk="0" hangingPunct="1">
+      <a:defRPr sz="1200" kern="1200">
+        <a:solidFill>
+          <a:schemeClr val="tx1"/>
+        </a:solidFill>
+        <a:latin typeface="+mn-lt"/>
+        <a:ea typeface="+mn-ea"/>
+        <a:cs typeface="+mn-cs"/>
+      </a:defRPr>
+    </a:lvl1pPr>
+    <a:lvl2pPr marL="457200" algn="l" defTabSz="914400" rtl="0" eaLnBrk="1" latinLnBrk="0" hangingPunct="1">
+      <a:defRPr sz="1200" kern="1200">
+        <a:solidFill>
+          <a:schemeClr val="tx1"/>
+        </a:solidFill>
+        <a:latin typeface="+mn-lt"/>
+        <a:ea typeface="+mn-ea"/>
+        <a:cs typeface="+mn-cs"/>
+      </a:defRPr>
+    </a:lvl2pPr>
+    <a:lvl3pPr marL="914400" algn="l" defTabSz="914400" rtl="0" eaLnBrk="1" latinLnBrk="0" hangingPunct="1">
+      <a:defRPr sz="1200" kern="1200">
+        <a:solidFill>
+          <a:schemeClr val="tx1"/>
+        </a:solidFill>
+        <a:latin typeface="+mn-lt"/>
+        <a:ea typeface="+mn-ea"/>
+        <a:cs typeface="+mn-cs"/>
+      </a:defRPr>
+    </a:lvl3pPr>
+    <a:lvl4pPr marL="1371600" algn="l" defTabSz="914400" rtl="0" eaLnBrk="1" latinLnBrk="0" hangingPunct="1">
+      <a:defRPr sz="1200" kern="1200">
+        <a:solidFill>
+          <a:schemeClr val="tx1"/>
+        </a:solidFill>
+        <a:latin typeface="+mn-lt"/>
+        <a:ea typeface="+mn-ea"/>
+        <a:cs typeface="+mn-cs"/>
+      </a:defRPr>
+    </a:lvl4pPr>
+    <a:lvl5pPr marL="1828800" algn="l" defTabSz="914400" rtl="0" eaLnBrk="1" latinLnBrk="0" hangingPunct="1">
+      <a:defRPr sz="1200" kern="1200">
+        <a:solidFill>
+          <a:schemeClr val="tx1"/>
+        </a:solidFill>
+        <a:latin typeface="+mn-lt"/>
+        <a:ea typeface="+mn-ea"/>
+        <a:cs typeface="+mn-cs"/>
+      </a:defRPr>
+    </a:lvl5pPr>
+    <a:lvl6pPr marL="2286000" algn="l" defTabSz="914400" rtl="0" eaLnBrk="1" latinLnBrk="0" hangingPunct="1">
+      <a:defRPr sz="1200" kern="1200">
+        <a:solidFill>
+          <a:schemeClr val="tx1"/>
+        </a:solidFill>
+        <a:latin typeface="+mn-lt"/>
+        <a:ea typeface="+mn-ea"/>
+        <a:cs typeface="+mn-cs"/>
+      </a:defRPr>
+    </a:lvl6pPr>
+    <a:lvl7pPr marL="2743200" algn="l" defTabSz="914400" rtl="0" eaLnBrk="1" latinLnBrk="0" hangingPunct="1">
+      <a:defRPr sz="1200" kern="1200">
+        <a:solidFill>
+          <a:schemeClr val="tx1"/>
+        </a:solidFill>
+        <a:latin typeface="+mn-lt"/>
+        <a:ea typeface="+mn-ea"/>
+        <a:cs typeface="+mn-cs"/>
+      </a:defRPr>
+    </a:lvl7pPr>
+    <a:lvl8pPr marL="3200400" algn="l" defTabSz="914400" rtl="0" eaLnBrk="1" latinLnBrk="0" hangingPunct="1">
+      <a:defRPr sz="1200" kern="1200">
+        <a:solidFill>
+          <a:schemeClr val="tx1"/>
+        </a:solidFill>
+        <a:latin typeface="+mn-lt"/>
+        <a:ea typeface="+mn-ea"/>
+        <a:cs typeface="+mn-cs"/>
+      </a:defRPr>
+    </a:lvl8pPr>
+    <a:lvl9pPr marL="3657600" algn="l" defTabSz="914400" rtl="0" eaLnBrk="1" latinLnBrk="0" hangingPunct="1">
+      <a:defRPr sz="1200" kern="1200">
+        <a:solidFill>
+          <a:schemeClr val="tx1"/>
+        </a:solidFill>
+        <a:latin typeface="+mn-lt"/>
+        <a:ea typeface="+mn-ea"/>
+        <a:cs typeface="+mn-cs"/>
+      </a:defRPr>
+    </a:lvl9pPr>
+  </p:notesStyle>
 </p:notesMaster>
 </file>
 
-<file path=ppt/notesSlides/notesSlide.xml><?xml version="1.0" encoding="utf-8"?>
-<p:notes xmlns:a="http://schemas.openxmlformats.org/drawingml/2006/main" xmlns:r="http://schemas.openxmlformats.org/officeDocument/2006/relationships" xmlns:mc="http://schemas.openxmlformats.org/markup-compatibility/2006" xmlns:mv="urn:schemas-microsoft-com:mac:vml" xmlns:p="http://schemas.openxmlformats.org/presentationml/2006/main" xmlns:c="http://schemas.openxmlformats.org/drawingml/2006/chart" xmlns:dgm="http://schemas.openxmlformats.org/drawingml/2006/diagram" xmlns:o="urn:schemas-microsoft-com:office:office" xmlns:v="urn:schemas-microsoft-com:vml" xmlns:pvml="urn:schemas-microsoft-com:office:powerpoint" xmlns:com="http://schemas.openxmlformats.org/drawingml/2006/compatibility" xmlns:p14="http://schemas.microsoft.com/office/powerpoint/2010/main" showMasterPhAnim="0" showMasterSp="0">
+<file path=ppt/notesSlides/notesSlide1.xml><?xml version="1.0" encoding="utf-8"?>
+<p:notes xmlns:a="http://schemas.openxmlformats.org/drawingml/2006/main" xmlns:r="http://schemas.openxmlformats.org/officeDocument/2006/relationships" xmlns:p="http://schemas.openxmlformats.org/presentationml/2006/main" showMasterSp="0" showMasterPhAnim="0">
   <p:cSld>
     <p:spTree>
       <p:nvGrpSpPr>
-        <p:cNvPr id="50" name="Shape 50"/>
+        <p:cNvPr id="1" name="Shape 50"/>
         <p:cNvGrpSpPr/>
         <p:nvPr/>
       </p:nvGrpSpPr>
@@ -399,9 +499,11 @@
       <p:sp>
         <p:nvSpPr>
           <p:cNvPr id="51" name="Shape 51"/>
-          <p:cNvSpPr/>
+          <p:cNvSpPr>
+            <a:spLocks noGrp="1" noRot="1" noChangeAspect="1"/>
+          </p:cNvSpPr>
           <p:nvPr>
-            <p:ph idx="2" type="sldImg"/>
+            <p:ph type="sldImg" idx="2"/>
           </p:nvPr>
         </p:nvSpPr>
         <p:spPr>
@@ -410,8 +512,13 @@
             <a:ext cx="6096075" cy="3429000"/>
           </a:xfrm>
           <a:custGeom>
+            <a:avLst/>
+            <a:gdLst/>
+            <a:ahLst/>
+            <a:cxnLst/>
+            <a:rect l="0" t="0" r="0" b="0"/>
             <a:pathLst>
-              <a:path extrusionOk="0" h="120000" w="120000">
+              <a:path w="120000" h="120000" extrusionOk="0">
                 <a:moveTo>
                   <a:pt x="0" y="0"/>
                 </a:moveTo>
@@ -433,9 +540,11 @@
       <p:sp>
         <p:nvSpPr>
           <p:cNvPr id="52" name="Shape 52"/>
-          <p:cNvSpPr txBox="1"/>
+          <p:cNvSpPr txBox="1">
+            <a:spLocks noGrp="1"/>
+          </p:cNvSpPr>
           <p:nvPr>
-            <p:ph idx="1" type="body"/>
+            <p:ph type="body" idx="1"/>
           </p:nvPr>
         </p:nvSpPr>
         <p:spPr>
@@ -448,7 +557,7 @@
           </a:prstGeom>
         </p:spPr>
         <p:txBody>
-          <a:bodyPr anchorCtr="0" anchor="t" bIns="91425" lIns="91425" rIns="91425" tIns="91425">
+          <a:bodyPr lIns="91425" tIns="91425" rIns="91425" bIns="91425" anchor="t" anchorCtr="0">
             <a:noAutofit/>
           </a:bodyPr>
           <a:lstStyle/>
@@ -459,9 +568,6 @@
               </a:spcBef>
               <a:buNone/>
             </a:pPr>
-            <a:r>
-              <a:t/>
-            </a:r>
             <a:endParaRPr/>
           </a:p>
         </p:txBody>
@@ -474,12 +580,12 @@
 </p:notes>
 </file>
 
-<file path=ppt/notesSlides/notesSlide1.xml><?xml version="1.0" encoding="utf-8"?>
-<p:notes xmlns:a="http://schemas.openxmlformats.org/drawingml/2006/main" xmlns:r="http://schemas.openxmlformats.org/officeDocument/2006/relationships" xmlns:mc="http://schemas.openxmlformats.org/markup-compatibility/2006" xmlns:mv="urn:schemas-microsoft-com:mac:vml" xmlns:p="http://schemas.openxmlformats.org/presentationml/2006/main" xmlns:c="http://schemas.openxmlformats.org/drawingml/2006/chart" xmlns:dgm="http://schemas.openxmlformats.org/drawingml/2006/diagram" xmlns:o="urn:schemas-microsoft-com:office:office" xmlns:v="urn:schemas-microsoft-com:vml" xmlns:pvml="urn:schemas-microsoft-com:office:powerpoint" xmlns:com="http://schemas.openxmlformats.org/drawingml/2006/compatibility" xmlns:p14="http://schemas.microsoft.com/office/powerpoint/2010/main" showMasterPhAnim="0" showMasterSp="0">
+<file path=ppt/notesSlides/notesSlide2.xml><?xml version="1.0" encoding="utf-8"?>
+<p:notes xmlns:a="http://schemas.openxmlformats.org/drawingml/2006/main" xmlns:r="http://schemas.openxmlformats.org/officeDocument/2006/relationships" xmlns:p="http://schemas.openxmlformats.org/presentationml/2006/main" showMasterSp="0" showMasterPhAnim="0">
   <p:cSld>
     <p:spTree>
       <p:nvGrpSpPr>
-        <p:cNvPr id="58" name="Shape 58"/>
+        <p:cNvPr id="1" name="Shape 58"/>
         <p:cNvGrpSpPr/>
         <p:nvPr/>
       </p:nvGrpSpPr>
@@ -494,9 +600,11 @@
       <p:sp>
         <p:nvSpPr>
           <p:cNvPr id="59" name="Shape 59"/>
-          <p:cNvSpPr/>
+          <p:cNvSpPr>
+            <a:spLocks noGrp="1" noRot="1" noChangeAspect="1"/>
+          </p:cNvSpPr>
           <p:nvPr>
-            <p:ph idx="2" type="sldImg"/>
+            <p:ph type="sldImg" idx="2"/>
           </p:nvPr>
         </p:nvSpPr>
         <p:spPr>
@@ -505,8 +613,13 @@
             <a:ext cx="6096000" cy="3429000"/>
           </a:xfrm>
           <a:custGeom>
+            <a:avLst/>
+            <a:gdLst/>
+            <a:ahLst/>
+            <a:cxnLst/>
+            <a:rect l="0" t="0" r="0" b="0"/>
             <a:pathLst>
-              <a:path extrusionOk="0" h="120000" w="120000">
+              <a:path w="120000" h="120000" extrusionOk="0">
                 <a:moveTo>
                   <a:pt x="0" y="0"/>
                 </a:moveTo>
@@ -528,9 +641,11 @@
       <p:sp>
         <p:nvSpPr>
           <p:cNvPr id="60" name="Shape 60"/>
-          <p:cNvSpPr txBox="1"/>
+          <p:cNvSpPr txBox="1">
+            <a:spLocks noGrp="1"/>
+          </p:cNvSpPr>
           <p:nvPr>
-            <p:ph idx="1" type="body"/>
+            <p:ph type="body" idx="1"/>
           </p:nvPr>
         </p:nvSpPr>
         <p:spPr>
@@ -543,7 +658,7 @@
           </a:prstGeom>
         </p:spPr>
         <p:txBody>
-          <a:bodyPr anchorCtr="0" anchor="t" bIns="91425" lIns="91425" rIns="91425" tIns="91425">
+          <a:bodyPr lIns="91425" tIns="91425" rIns="91425" bIns="91425" anchor="t" anchorCtr="0">
             <a:noAutofit/>
           </a:bodyPr>
           <a:lstStyle/>
@@ -554,9 +669,6 @@
               </a:spcBef>
               <a:buNone/>
             </a:pPr>
-            <a:r>
-              <a:t/>
-            </a:r>
             <a:endParaRPr/>
           </a:p>
         </p:txBody>
@@ -569,12 +681,12 @@
 </p:notes>
 </file>
 
-<file path=ppt/notesSlides/notesSlide2.xml><?xml version="1.0" encoding="utf-8"?>
-<p:notes xmlns:a="http://schemas.openxmlformats.org/drawingml/2006/main" xmlns:r="http://schemas.openxmlformats.org/officeDocument/2006/relationships" xmlns:mc="http://schemas.openxmlformats.org/markup-compatibility/2006" xmlns:mv="urn:schemas-microsoft-com:mac:vml" xmlns:p="http://schemas.openxmlformats.org/presentationml/2006/main" xmlns:c="http://schemas.openxmlformats.org/drawingml/2006/chart" xmlns:dgm="http://schemas.openxmlformats.org/drawingml/2006/diagram" xmlns:o="urn:schemas-microsoft-com:office:office" xmlns:v="urn:schemas-microsoft-com:vml" xmlns:pvml="urn:schemas-microsoft-com:office:powerpoint" xmlns:com="http://schemas.openxmlformats.org/drawingml/2006/compatibility" xmlns:p14="http://schemas.microsoft.com/office/powerpoint/2010/main" showMasterPhAnim="0" showMasterSp="0">
+<file path=ppt/notesSlides/notesSlide3.xml><?xml version="1.0" encoding="utf-8"?>
+<p:notes xmlns:a="http://schemas.openxmlformats.org/drawingml/2006/main" xmlns:r="http://schemas.openxmlformats.org/officeDocument/2006/relationships" xmlns:p="http://schemas.openxmlformats.org/presentationml/2006/main" showMasterSp="0" showMasterPhAnim="0">
   <p:cSld>
     <p:spTree>
       <p:nvGrpSpPr>
-        <p:cNvPr id="66" name="Shape 66"/>
+        <p:cNvPr id="1" name="Shape 66"/>
         <p:cNvGrpSpPr/>
         <p:nvPr/>
       </p:nvGrpSpPr>
@@ -589,9 +701,11 @@
       <p:sp>
         <p:nvSpPr>
           <p:cNvPr id="67" name="Shape 67"/>
-          <p:cNvSpPr/>
+          <p:cNvSpPr>
+            <a:spLocks noGrp="1" noRot="1" noChangeAspect="1"/>
+          </p:cNvSpPr>
           <p:nvPr>
-            <p:ph idx="2" type="sldImg"/>
+            <p:ph type="sldImg" idx="2"/>
           </p:nvPr>
         </p:nvSpPr>
         <p:spPr>
@@ -600,8 +714,13 @@
             <a:ext cx="6096000" cy="3429000"/>
           </a:xfrm>
           <a:custGeom>
+            <a:avLst/>
+            <a:gdLst/>
+            <a:ahLst/>
+            <a:cxnLst/>
+            <a:rect l="0" t="0" r="0" b="0"/>
             <a:pathLst>
-              <a:path extrusionOk="0" h="120000" w="120000">
+              <a:path w="120000" h="120000" extrusionOk="0">
                 <a:moveTo>
                   <a:pt x="0" y="0"/>
                 </a:moveTo>
@@ -623,9 +742,11 @@
       <p:sp>
         <p:nvSpPr>
           <p:cNvPr id="68" name="Shape 68"/>
-          <p:cNvSpPr txBox="1"/>
+          <p:cNvSpPr txBox="1">
+            <a:spLocks noGrp="1"/>
+          </p:cNvSpPr>
           <p:nvPr>
-            <p:ph idx="1" type="body"/>
+            <p:ph type="body" idx="1"/>
           </p:nvPr>
         </p:nvSpPr>
         <p:spPr>
@@ -638,7 +759,7 @@
           </a:prstGeom>
         </p:spPr>
         <p:txBody>
-          <a:bodyPr anchorCtr="0" anchor="t" bIns="91425" lIns="91425" rIns="91425" tIns="91425">
+          <a:bodyPr lIns="91425" tIns="91425" rIns="91425" bIns="91425" anchor="t" anchorCtr="0">
             <a:noAutofit/>
           </a:bodyPr>
           <a:lstStyle/>
@@ -649,9 +770,6 @@
               </a:spcBef>
               <a:buNone/>
             </a:pPr>
-            <a:r>
-              <a:t/>
-            </a:r>
             <a:endParaRPr/>
           </a:p>
         </p:txBody>
@@ -664,12 +782,12 @@
 </p:notes>
 </file>
 
-<file path=ppt/notesSlides/notesSlide3.xml><?xml version="1.0" encoding="utf-8"?>
-<p:notes xmlns:a="http://schemas.openxmlformats.org/drawingml/2006/main" xmlns:r="http://schemas.openxmlformats.org/officeDocument/2006/relationships" xmlns:mc="http://schemas.openxmlformats.org/markup-compatibility/2006" xmlns:mv="urn:schemas-microsoft-com:mac:vml" xmlns:p="http://schemas.openxmlformats.org/presentationml/2006/main" xmlns:c="http://schemas.openxmlformats.org/drawingml/2006/chart" xmlns:dgm="http://schemas.openxmlformats.org/drawingml/2006/diagram" xmlns:o="urn:schemas-microsoft-com:office:office" xmlns:v="urn:schemas-microsoft-com:vml" xmlns:pvml="urn:schemas-microsoft-com:office:powerpoint" xmlns:com="http://schemas.openxmlformats.org/drawingml/2006/compatibility" xmlns:p14="http://schemas.microsoft.com/office/powerpoint/2010/main" showMasterPhAnim="0" showMasterSp="0">
+<file path=ppt/notesSlides/notesSlide4.xml><?xml version="1.0" encoding="utf-8"?>
+<p:notes xmlns:a="http://schemas.openxmlformats.org/drawingml/2006/main" xmlns:r="http://schemas.openxmlformats.org/officeDocument/2006/relationships" xmlns:p="http://schemas.openxmlformats.org/presentationml/2006/main" showMasterSp="0" showMasterPhAnim="0">
   <p:cSld>
     <p:spTree>
       <p:nvGrpSpPr>
-        <p:cNvPr id="74" name="Shape 74"/>
+        <p:cNvPr id="1" name="Shape 74"/>
         <p:cNvGrpSpPr/>
         <p:nvPr/>
       </p:nvGrpSpPr>
@@ -684,9 +802,11 @@
       <p:sp>
         <p:nvSpPr>
           <p:cNvPr id="75" name="Shape 75"/>
-          <p:cNvSpPr/>
+          <p:cNvSpPr>
+            <a:spLocks noGrp="1" noRot="1" noChangeAspect="1"/>
+          </p:cNvSpPr>
           <p:nvPr>
-            <p:ph idx="2" type="sldImg"/>
+            <p:ph type="sldImg" idx="2"/>
           </p:nvPr>
         </p:nvSpPr>
         <p:spPr>
@@ -695,8 +815,13 @@
             <a:ext cx="6096000" cy="3429000"/>
           </a:xfrm>
           <a:custGeom>
+            <a:avLst/>
+            <a:gdLst/>
+            <a:ahLst/>
+            <a:cxnLst/>
+            <a:rect l="0" t="0" r="0" b="0"/>
             <a:pathLst>
-              <a:path extrusionOk="0" h="120000" w="120000">
+              <a:path w="120000" h="120000" extrusionOk="0">
                 <a:moveTo>
                   <a:pt x="0" y="0"/>
                 </a:moveTo>
@@ -718,9 +843,11 @@
       <p:sp>
         <p:nvSpPr>
           <p:cNvPr id="76" name="Shape 76"/>
-          <p:cNvSpPr txBox="1"/>
+          <p:cNvSpPr txBox="1">
+            <a:spLocks noGrp="1"/>
+          </p:cNvSpPr>
           <p:nvPr>
-            <p:ph idx="1" type="body"/>
+            <p:ph type="body" idx="1"/>
           </p:nvPr>
         </p:nvSpPr>
         <p:spPr>
@@ -733,7 +860,7 @@
           </a:prstGeom>
         </p:spPr>
         <p:txBody>
-          <a:bodyPr anchorCtr="0" anchor="t" bIns="91425" lIns="91425" rIns="91425" tIns="91425">
+          <a:bodyPr lIns="91425" tIns="91425" rIns="91425" bIns="91425" anchor="t" anchorCtr="0">
             <a:noAutofit/>
           </a:bodyPr>
           <a:lstStyle/>
@@ -744,9 +871,6 @@
               </a:spcBef>
               <a:buNone/>
             </a:pPr>
-            <a:r>
-              <a:t/>
-            </a:r>
             <a:endParaRPr/>
           </a:p>
         </p:txBody>
@@ -759,12 +883,12 @@
 </p:notes>
 </file>
 
-<file path=ppt/notesSlides/notesSlide4.xml><?xml version="1.0" encoding="utf-8"?>
-<p:notes xmlns:a="http://schemas.openxmlformats.org/drawingml/2006/main" xmlns:r="http://schemas.openxmlformats.org/officeDocument/2006/relationships" xmlns:mc="http://schemas.openxmlformats.org/markup-compatibility/2006" xmlns:mv="urn:schemas-microsoft-com:mac:vml" xmlns:p="http://schemas.openxmlformats.org/presentationml/2006/main" xmlns:c="http://schemas.openxmlformats.org/drawingml/2006/chart" xmlns:dgm="http://schemas.openxmlformats.org/drawingml/2006/diagram" xmlns:o="urn:schemas-microsoft-com:office:office" xmlns:v="urn:schemas-microsoft-com:vml" xmlns:pvml="urn:schemas-microsoft-com:office:powerpoint" xmlns:com="http://schemas.openxmlformats.org/drawingml/2006/compatibility" xmlns:p14="http://schemas.microsoft.com/office/powerpoint/2010/main" showMasterPhAnim="0" showMasterSp="0">
+<file path=ppt/notesSlides/notesSlide5.xml><?xml version="1.0" encoding="utf-8"?>
+<p:notes xmlns:a="http://schemas.openxmlformats.org/drawingml/2006/main" xmlns:r="http://schemas.openxmlformats.org/officeDocument/2006/relationships" xmlns:p="http://schemas.openxmlformats.org/presentationml/2006/main" showMasterSp="0" showMasterPhAnim="0">
   <p:cSld>
     <p:spTree>
       <p:nvGrpSpPr>
-        <p:cNvPr id="82" name="Shape 82"/>
+        <p:cNvPr id="1" name="Shape 82"/>
         <p:cNvGrpSpPr/>
         <p:nvPr/>
       </p:nvGrpSpPr>
@@ -779,9 +903,11 @@
       <p:sp>
         <p:nvSpPr>
           <p:cNvPr id="83" name="Shape 83"/>
-          <p:cNvSpPr/>
+          <p:cNvSpPr>
+            <a:spLocks noGrp="1" noRot="1" noChangeAspect="1"/>
+          </p:cNvSpPr>
           <p:nvPr>
-            <p:ph idx="2" type="sldImg"/>
+            <p:ph type="sldImg" idx="2"/>
           </p:nvPr>
         </p:nvSpPr>
         <p:spPr>
@@ -790,8 +916,13 @@
             <a:ext cx="6096000" cy="3429000"/>
           </a:xfrm>
           <a:custGeom>
+            <a:avLst/>
+            <a:gdLst/>
+            <a:ahLst/>
+            <a:cxnLst/>
+            <a:rect l="0" t="0" r="0" b="0"/>
             <a:pathLst>
-              <a:path extrusionOk="0" h="120000" w="120000">
+              <a:path w="120000" h="120000" extrusionOk="0">
                 <a:moveTo>
                   <a:pt x="0" y="0"/>
                 </a:moveTo>
@@ -813,9 +944,11 @@
       <p:sp>
         <p:nvSpPr>
           <p:cNvPr id="84" name="Shape 84"/>
-          <p:cNvSpPr txBox="1"/>
+          <p:cNvSpPr txBox="1">
+            <a:spLocks noGrp="1"/>
+          </p:cNvSpPr>
           <p:nvPr>
-            <p:ph idx="1" type="body"/>
+            <p:ph type="body" idx="1"/>
           </p:nvPr>
         </p:nvSpPr>
         <p:spPr>
@@ -828,7 +961,7 @@
           </a:prstGeom>
         </p:spPr>
         <p:txBody>
-          <a:bodyPr anchorCtr="0" anchor="t" bIns="91425" lIns="91425" rIns="91425" tIns="91425">
+          <a:bodyPr lIns="91425" tIns="91425" rIns="91425" bIns="91425" anchor="t" anchorCtr="0">
             <a:noAutofit/>
           </a:bodyPr>
           <a:lstStyle/>
@@ -839,9 +972,6 @@
               </a:spcBef>
               <a:buNone/>
             </a:pPr>
-            <a:r>
-              <a:t/>
-            </a:r>
             <a:endParaRPr/>
           </a:p>
         </p:txBody>
@@ -854,12 +984,12 @@
 </p:notes>
 </file>
 
-<file path=ppt/slideLayouts/slideLayout.xml><?xml version="1.0" encoding="utf-8"?>
-<p:sldLayout xmlns:a="http://schemas.openxmlformats.org/drawingml/2006/main" xmlns:r="http://schemas.openxmlformats.org/officeDocument/2006/relationships" xmlns:mc="http://schemas.openxmlformats.org/markup-compatibility/2006" xmlns:mv="urn:schemas-microsoft-com:mac:vml" xmlns:p="http://schemas.openxmlformats.org/presentationml/2006/main" xmlns:c="http://schemas.openxmlformats.org/drawingml/2006/chart" xmlns:dgm="http://schemas.openxmlformats.org/drawingml/2006/diagram" xmlns:o="urn:schemas-microsoft-com:office:office" xmlns:v="urn:schemas-microsoft-com:vml" xmlns:pvml="urn:schemas-microsoft-com:office:powerpoint" xmlns:com="http://schemas.openxmlformats.org/drawingml/2006/compatibility" xmlns:p14="http://schemas.microsoft.com/office/powerpoint/2010/main" type="title">
+<file path=ppt/slideLayouts/slideLayout1.xml><?xml version="1.0" encoding="utf-8"?>
+<p:sldLayout xmlns:a="http://schemas.openxmlformats.org/drawingml/2006/main" xmlns:r="http://schemas.openxmlformats.org/officeDocument/2006/relationships" xmlns:p="http://schemas.openxmlformats.org/presentationml/2006/main" type="title">
   <p:cSld name="Title slide">
     <p:spTree>
       <p:nvGrpSpPr>
-        <p:cNvPr id="9" name="Shape 9"/>
+        <p:cNvPr id="1" name="Shape 9"/>
         <p:cNvGrpSpPr/>
         <p:nvPr/>
       </p:nvGrpSpPr>
@@ -874,7 +1004,9 @@
       <p:sp>
         <p:nvSpPr>
           <p:cNvPr id="10" name="Shape 10"/>
-          <p:cNvSpPr txBox="1"/>
+          <p:cNvSpPr txBox="1">
+            <a:spLocks noGrp="1"/>
+          </p:cNvSpPr>
           <p:nvPr>
             <p:ph type="ctrTitle"/>
           </p:nvPr>
@@ -889,7 +1021,7 @@
           </a:prstGeom>
         </p:spPr>
         <p:txBody>
-          <a:bodyPr anchorCtr="0" anchor="b" bIns="91425" lIns="91425" rIns="91425" tIns="91425"/>
+          <a:bodyPr lIns="91425" tIns="91425" rIns="91425" bIns="91425" anchor="b" anchorCtr="0"/>
           <a:lstStyle>
             <a:lvl1pPr lvl="0" algn="ctr">
               <a:spcBef>
@@ -955,15 +1087,19 @@
               <a:defRPr sz="5200"/>
             </a:lvl9pPr>
           </a:lstStyle>
-          <a:p/>
+          <a:p>
+            <a:endParaRPr/>
+          </a:p>
         </p:txBody>
       </p:sp>
       <p:sp>
         <p:nvSpPr>
           <p:cNvPr id="11" name="Shape 11"/>
-          <p:cNvSpPr txBox="1"/>
+          <p:cNvSpPr txBox="1">
+            <a:spLocks noGrp="1"/>
+          </p:cNvSpPr>
           <p:nvPr>
-            <p:ph idx="1" type="subTitle"/>
+            <p:ph type="subTitle" idx="1"/>
           </p:nvPr>
         </p:nvSpPr>
         <p:spPr>
@@ -976,7 +1112,7 @@
           </a:prstGeom>
         </p:spPr>
         <p:txBody>
-          <a:bodyPr anchorCtr="0" anchor="t" bIns="91425" lIns="91425" rIns="91425" tIns="91425"/>
+          <a:bodyPr lIns="91425" tIns="91425" rIns="91425" bIns="91425" anchor="t" anchorCtr="0"/>
           <a:lstStyle>
             <a:lvl1pPr lvl="0" algn="ctr">
               <a:lnSpc>
@@ -1105,15 +1241,19 @@
               <a:defRPr sz="2800"/>
             </a:lvl9pPr>
           </a:lstStyle>
-          <a:p/>
+          <a:p>
+            <a:endParaRPr/>
+          </a:p>
         </p:txBody>
       </p:sp>
       <p:sp>
         <p:nvSpPr>
           <p:cNvPr id="12" name="Shape 12"/>
-          <p:cNvSpPr txBox="1"/>
+          <p:cNvSpPr txBox="1">
+            <a:spLocks noGrp="1"/>
+          </p:cNvSpPr>
           <p:nvPr>
-            <p:ph idx="12" type="sldNum"/>
+            <p:ph type="sldNum" idx="12"/>
           </p:nvPr>
         </p:nvSpPr>
         <p:spPr>
@@ -1126,7 +1266,7 @@
           </a:prstGeom>
         </p:spPr>
         <p:txBody>
-          <a:bodyPr anchorCtr="0" anchor="ctr" bIns="91425" lIns="91425" rIns="91425" tIns="91425">
+          <a:bodyPr lIns="91425" tIns="91425" rIns="91425" bIns="91425" anchor="ctr" anchorCtr="0">
             <a:noAutofit/>
           </a:bodyPr>
           <a:lstStyle/>
@@ -1139,8 +1279,15 @@
             </a:pPr>
             <a:fld id="{00000000-1234-1234-1234-123412341234}" type="slidenum">
               <a:rPr lang="fr"/>
-              <a:t>‹#›</a:t>
+              <a:pPr lvl="0">
+                <a:spcBef>
+                  <a:spcPts val="0"/>
+                </a:spcBef>
+                <a:buNone/>
+              </a:pPr>
+              <a:t>‹N°›</a:t>
             </a:fld>
+            <a:endParaRPr lang="fr"/>
           </a:p>
         </p:txBody>
       </p:sp>
@@ -1152,12 +1299,325 @@
 </p:sldLayout>
 </file>
 
-<file path=ppt/slideLayouts/slideLayout1.xml><?xml version="1.0" encoding="utf-8"?>
-<p:sldLayout xmlns:a="http://schemas.openxmlformats.org/drawingml/2006/main" xmlns:r="http://schemas.openxmlformats.org/officeDocument/2006/relationships" xmlns:mc="http://schemas.openxmlformats.org/markup-compatibility/2006" xmlns:mv="urn:schemas-microsoft-com:mac:vml" xmlns:p="http://schemas.openxmlformats.org/presentationml/2006/main" xmlns:c="http://schemas.openxmlformats.org/drawingml/2006/chart" xmlns:dgm="http://schemas.openxmlformats.org/drawingml/2006/diagram" xmlns:o="urn:schemas-microsoft-com:office:office" xmlns:v="urn:schemas-microsoft-com:vml" xmlns:pvml="urn:schemas-microsoft-com:office:powerpoint" xmlns:com="http://schemas.openxmlformats.org/drawingml/2006/compatibility" xmlns:p14="http://schemas.microsoft.com/office/powerpoint/2010/main" type="secHead">
+<file path=ppt/slideLayouts/slideLayout10.xml><?xml version="1.0" encoding="utf-8"?>
+<p:sldLayout xmlns:a="http://schemas.openxmlformats.org/drawingml/2006/main" xmlns:r="http://schemas.openxmlformats.org/officeDocument/2006/relationships" xmlns:p="http://schemas.openxmlformats.org/presentationml/2006/main">
+  <p:cSld name="Big number">
+    <p:spTree>
+      <p:nvGrpSpPr>
+        <p:cNvPr id="1" name="Shape 44"/>
+        <p:cNvGrpSpPr/>
+        <p:nvPr/>
+      </p:nvGrpSpPr>
+      <p:grpSpPr>
+        <a:xfrm>
+          <a:off x="0" y="0"/>
+          <a:ext cx="0" cy="0"/>
+          <a:chOff x="0" y="0"/>
+          <a:chExt cx="0" cy="0"/>
+        </a:xfrm>
+      </p:grpSpPr>
+      <p:sp>
+        <p:nvSpPr>
+          <p:cNvPr id="45" name="Shape 45"/>
+          <p:cNvSpPr txBox="1">
+            <a:spLocks noGrp="1"/>
+          </p:cNvSpPr>
+          <p:nvPr>
+            <p:ph type="title"/>
+          </p:nvPr>
+        </p:nvSpPr>
+        <p:spPr>
+          <a:xfrm>
+            <a:off x="311700" y="1106125"/>
+            <a:ext cx="8520599" cy="1963500"/>
+          </a:xfrm>
+          <a:prstGeom prst="rect">
+            <a:avLst/>
+          </a:prstGeom>
+        </p:spPr>
+        <p:txBody>
+          <a:bodyPr lIns="91425" tIns="91425" rIns="91425" bIns="91425" anchor="b" anchorCtr="0"/>
+          <a:lstStyle>
+            <a:lvl1pPr lvl="0" algn="ctr">
+              <a:spcBef>
+                <a:spcPts val="0"/>
+              </a:spcBef>
+              <a:buSzPct val="100000"/>
+              <a:defRPr sz="12000"/>
+            </a:lvl1pPr>
+            <a:lvl2pPr lvl="1" algn="ctr">
+              <a:spcBef>
+                <a:spcPts val="0"/>
+              </a:spcBef>
+              <a:buSzPct val="100000"/>
+              <a:defRPr sz="12000"/>
+            </a:lvl2pPr>
+            <a:lvl3pPr lvl="2" algn="ctr">
+              <a:spcBef>
+                <a:spcPts val="0"/>
+              </a:spcBef>
+              <a:buSzPct val="100000"/>
+              <a:defRPr sz="12000"/>
+            </a:lvl3pPr>
+            <a:lvl4pPr lvl="3" algn="ctr">
+              <a:spcBef>
+                <a:spcPts val="0"/>
+              </a:spcBef>
+              <a:buSzPct val="100000"/>
+              <a:defRPr sz="12000"/>
+            </a:lvl4pPr>
+            <a:lvl5pPr lvl="4" algn="ctr">
+              <a:spcBef>
+                <a:spcPts val="0"/>
+              </a:spcBef>
+              <a:buSzPct val="100000"/>
+              <a:defRPr sz="12000"/>
+            </a:lvl5pPr>
+            <a:lvl6pPr lvl="5" algn="ctr">
+              <a:spcBef>
+                <a:spcPts val="0"/>
+              </a:spcBef>
+              <a:buSzPct val="100000"/>
+              <a:defRPr sz="12000"/>
+            </a:lvl6pPr>
+            <a:lvl7pPr lvl="6" algn="ctr">
+              <a:spcBef>
+                <a:spcPts val="0"/>
+              </a:spcBef>
+              <a:buSzPct val="100000"/>
+              <a:defRPr sz="12000"/>
+            </a:lvl7pPr>
+            <a:lvl8pPr lvl="7" algn="ctr">
+              <a:spcBef>
+                <a:spcPts val="0"/>
+              </a:spcBef>
+              <a:buSzPct val="100000"/>
+              <a:defRPr sz="12000"/>
+            </a:lvl8pPr>
+            <a:lvl9pPr lvl="8" algn="ctr">
+              <a:spcBef>
+                <a:spcPts val="0"/>
+              </a:spcBef>
+              <a:buSzPct val="100000"/>
+              <a:defRPr sz="12000"/>
+            </a:lvl9pPr>
+          </a:lstStyle>
+          <a:p>
+            <a:endParaRPr/>
+          </a:p>
+        </p:txBody>
+      </p:sp>
+      <p:sp>
+        <p:nvSpPr>
+          <p:cNvPr id="46" name="Shape 46"/>
+          <p:cNvSpPr txBox="1">
+            <a:spLocks noGrp="1"/>
+          </p:cNvSpPr>
+          <p:nvPr>
+            <p:ph type="body" idx="1"/>
+          </p:nvPr>
+        </p:nvSpPr>
+        <p:spPr>
+          <a:xfrm>
+            <a:off x="311700" y="3152225"/>
+            <a:ext cx="8520599" cy="1300800"/>
+          </a:xfrm>
+          <a:prstGeom prst="rect">
+            <a:avLst/>
+          </a:prstGeom>
+        </p:spPr>
+        <p:txBody>
+          <a:bodyPr lIns="91425" tIns="91425" rIns="91425" bIns="91425" anchor="t" anchorCtr="0"/>
+          <a:lstStyle>
+            <a:lvl1pPr lvl="0" algn="ctr">
+              <a:spcBef>
+                <a:spcPts val="0"/>
+              </a:spcBef>
+              <a:defRPr/>
+            </a:lvl1pPr>
+            <a:lvl2pPr lvl="1" algn="ctr">
+              <a:spcBef>
+                <a:spcPts val="0"/>
+              </a:spcBef>
+              <a:defRPr/>
+            </a:lvl2pPr>
+            <a:lvl3pPr lvl="2" algn="ctr">
+              <a:spcBef>
+                <a:spcPts val="0"/>
+              </a:spcBef>
+              <a:defRPr/>
+            </a:lvl3pPr>
+            <a:lvl4pPr lvl="3" algn="ctr">
+              <a:spcBef>
+                <a:spcPts val="0"/>
+              </a:spcBef>
+              <a:defRPr/>
+            </a:lvl4pPr>
+            <a:lvl5pPr lvl="4" algn="ctr">
+              <a:spcBef>
+                <a:spcPts val="0"/>
+              </a:spcBef>
+              <a:defRPr/>
+            </a:lvl5pPr>
+            <a:lvl6pPr lvl="5" algn="ctr">
+              <a:spcBef>
+                <a:spcPts val="0"/>
+              </a:spcBef>
+              <a:defRPr/>
+            </a:lvl6pPr>
+            <a:lvl7pPr lvl="6" algn="ctr">
+              <a:spcBef>
+                <a:spcPts val="0"/>
+              </a:spcBef>
+              <a:defRPr/>
+            </a:lvl7pPr>
+            <a:lvl8pPr lvl="7" algn="ctr">
+              <a:spcBef>
+                <a:spcPts val="0"/>
+              </a:spcBef>
+              <a:defRPr/>
+            </a:lvl8pPr>
+            <a:lvl9pPr lvl="8" algn="ctr">
+              <a:spcBef>
+                <a:spcPts val="0"/>
+              </a:spcBef>
+              <a:defRPr/>
+            </a:lvl9pPr>
+          </a:lstStyle>
+          <a:p>
+            <a:endParaRPr/>
+          </a:p>
+        </p:txBody>
+      </p:sp>
+      <p:sp>
+        <p:nvSpPr>
+          <p:cNvPr id="47" name="Shape 47"/>
+          <p:cNvSpPr txBox="1">
+            <a:spLocks noGrp="1"/>
+          </p:cNvSpPr>
+          <p:nvPr>
+            <p:ph type="sldNum" idx="12"/>
+          </p:nvPr>
+        </p:nvSpPr>
+        <p:spPr>
+          <a:xfrm>
+            <a:off x="8472457" y="4663216"/>
+            <a:ext cx="548699" cy="393600"/>
+          </a:xfrm>
+          <a:prstGeom prst="rect">
+            <a:avLst/>
+          </a:prstGeom>
+        </p:spPr>
+        <p:txBody>
+          <a:bodyPr lIns="91425" tIns="91425" rIns="91425" bIns="91425" anchor="ctr" anchorCtr="0">
+            <a:noAutofit/>
+          </a:bodyPr>
+          <a:lstStyle/>
+          <a:p>
+            <a:pPr lvl="0">
+              <a:spcBef>
+                <a:spcPts val="0"/>
+              </a:spcBef>
+              <a:buNone/>
+            </a:pPr>
+            <a:fld id="{00000000-1234-1234-1234-123412341234}" type="slidenum">
+              <a:rPr lang="fr"/>
+              <a:pPr lvl="0">
+                <a:spcBef>
+                  <a:spcPts val="0"/>
+                </a:spcBef>
+                <a:buNone/>
+              </a:pPr>
+              <a:t>‹N°›</a:t>
+            </a:fld>
+            <a:endParaRPr lang="fr"/>
+          </a:p>
+        </p:txBody>
+      </p:sp>
+    </p:spTree>
+  </p:cSld>
+  <p:clrMapOvr>
+    <a:masterClrMapping/>
+  </p:clrMapOvr>
+</p:sldLayout>
+</file>
+
+<file path=ppt/slideLayouts/slideLayout11.xml><?xml version="1.0" encoding="utf-8"?>
+<p:sldLayout xmlns:a="http://schemas.openxmlformats.org/drawingml/2006/main" xmlns:r="http://schemas.openxmlformats.org/officeDocument/2006/relationships" xmlns:p="http://schemas.openxmlformats.org/presentationml/2006/main" type="blank">
+  <p:cSld name="Blank">
+    <p:spTree>
+      <p:nvGrpSpPr>
+        <p:cNvPr id="1" name="Shape 48"/>
+        <p:cNvGrpSpPr/>
+        <p:nvPr/>
+      </p:nvGrpSpPr>
+      <p:grpSpPr>
+        <a:xfrm>
+          <a:off x="0" y="0"/>
+          <a:ext cx="0" cy="0"/>
+          <a:chOff x="0" y="0"/>
+          <a:chExt cx="0" cy="0"/>
+        </a:xfrm>
+      </p:grpSpPr>
+      <p:sp>
+        <p:nvSpPr>
+          <p:cNvPr id="49" name="Shape 49"/>
+          <p:cNvSpPr txBox="1">
+            <a:spLocks noGrp="1"/>
+          </p:cNvSpPr>
+          <p:nvPr>
+            <p:ph type="sldNum" idx="12"/>
+          </p:nvPr>
+        </p:nvSpPr>
+        <p:spPr>
+          <a:xfrm>
+            <a:off x="8472457" y="4663216"/>
+            <a:ext cx="548699" cy="393600"/>
+          </a:xfrm>
+          <a:prstGeom prst="rect">
+            <a:avLst/>
+          </a:prstGeom>
+        </p:spPr>
+        <p:txBody>
+          <a:bodyPr lIns="91425" tIns="91425" rIns="91425" bIns="91425" anchor="ctr" anchorCtr="0">
+            <a:noAutofit/>
+          </a:bodyPr>
+          <a:lstStyle/>
+          <a:p>
+            <a:pPr lvl="0">
+              <a:spcBef>
+                <a:spcPts val="0"/>
+              </a:spcBef>
+              <a:buNone/>
+            </a:pPr>
+            <a:fld id="{00000000-1234-1234-1234-123412341234}" type="slidenum">
+              <a:rPr lang="fr"/>
+              <a:pPr lvl="0">
+                <a:spcBef>
+                  <a:spcPts val="0"/>
+                </a:spcBef>
+                <a:buNone/>
+              </a:pPr>
+              <a:t>‹N°›</a:t>
+            </a:fld>
+            <a:endParaRPr lang="fr"/>
+          </a:p>
+        </p:txBody>
+      </p:sp>
+    </p:spTree>
+  </p:cSld>
+  <p:clrMapOvr>
+    <a:masterClrMapping/>
+  </p:clrMapOvr>
+</p:sldLayout>
+</file>
+
+<file path=ppt/slideLayouts/slideLayout2.xml><?xml version="1.0" encoding="utf-8"?>
+<p:sldLayout xmlns:a="http://schemas.openxmlformats.org/drawingml/2006/main" xmlns:r="http://schemas.openxmlformats.org/officeDocument/2006/relationships" xmlns:p="http://schemas.openxmlformats.org/presentationml/2006/main" type="secHead">
   <p:cSld name="Section title">
     <p:spTree>
       <p:nvGrpSpPr>
-        <p:cNvPr id="13" name="Shape 13"/>
+        <p:cNvPr id="1" name="Shape 13"/>
         <p:cNvGrpSpPr/>
         <p:nvPr/>
       </p:nvGrpSpPr>
@@ -1172,7 +1632,9 @@
       <p:sp>
         <p:nvSpPr>
           <p:cNvPr id="14" name="Shape 14"/>
-          <p:cNvSpPr txBox="1"/>
+          <p:cNvSpPr txBox="1">
+            <a:spLocks noGrp="1"/>
+          </p:cNvSpPr>
           <p:nvPr>
             <p:ph type="title"/>
           </p:nvPr>
@@ -1187,7 +1649,7 @@
           </a:prstGeom>
         </p:spPr>
         <p:txBody>
-          <a:bodyPr anchorCtr="0" anchor="ctr" bIns="91425" lIns="91425" rIns="91425" tIns="91425"/>
+          <a:bodyPr lIns="91425" tIns="91425" rIns="91425" bIns="91425" anchor="ctr" anchorCtr="0"/>
           <a:lstStyle>
             <a:lvl1pPr lvl="0" algn="ctr">
               <a:spcBef>
@@ -1253,15 +1715,19 @@
               <a:defRPr sz="3600"/>
             </a:lvl9pPr>
           </a:lstStyle>
-          <a:p/>
+          <a:p>
+            <a:endParaRPr/>
+          </a:p>
         </p:txBody>
       </p:sp>
       <p:sp>
         <p:nvSpPr>
           <p:cNvPr id="15" name="Shape 15"/>
-          <p:cNvSpPr txBox="1"/>
+          <p:cNvSpPr txBox="1">
+            <a:spLocks noGrp="1"/>
+          </p:cNvSpPr>
           <p:nvPr>
-            <p:ph idx="12" type="sldNum"/>
+            <p:ph type="sldNum" idx="12"/>
           </p:nvPr>
         </p:nvSpPr>
         <p:spPr>
@@ -1274,7 +1740,7 @@
           </a:prstGeom>
         </p:spPr>
         <p:txBody>
-          <a:bodyPr anchorCtr="0" anchor="ctr" bIns="91425" lIns="91425" rIns="91425" tIns="91425">
+          <a:bodyPr lIns="91425" tIns="91425" rIns="91425" bIns="91425" anchor="ctr" anchorCtr="0">
             <a:noAutofit/>
           </a:bodyPr>
           <a:lstStyle/>
@@ -1287,8 +1753,15 @@
             </a:pPr>
             <a:fld id="{00000000-1234-1234-1234-123412341234}" type="slidenum">
               <a:rPr lang="fr"/>
-              <a:t>‹#›</a:t>
+              <a:pPr lvl="0">
+                <a:spcBef>
+                  <a:spcPts val="0"/>
+                </a:spcBef>
+                <a:buNone/>
+              </a:pPr>
+              <a:t>‹N°›</a:t>
             </a:fld>
+            <a:endParaRPr lang="fr"/>
           </a:p>
         </p:txBody>
       </p:sp>
@@ -1300,73 +1773,12 @@
 </p:sldLayout>
 </file>
 
-<file path=ppt/slideLayouts/slideLayout10.xml><?xml version="1.0" encoding="utf-8"?>
-<p:sldLayout xmlns:a="http://schemas.openxmlformats.org/drawingml/2006/main" xmlns:r="http://schemas.openxmlformats.org/officeDocument/2006/relationships" xmlns:mc="http://schemas.openxmlformats.org/markup-compatibility/2006" xmlns:mv="urn:schemas-microsoft-com:mac:vml" xmlns:p="http://schemas.openxmlformats.org/presentationml/2006/main" xmlns:c="http://schemas.openxmlformats.org/drawingml/2006/chart" xmlns:dgm="http://schemas.openxmlformats.org/drawingml/2006/diagram" xmlns:o="urn:schemas-microsoft-com:office:office" xmlns:v="urn:schemas-microsoft-com:vml" xmlns:pvml="urn:schemas-microsoft-com:office:powerpoint" xmlns:com="http://schemas.openxmlformats.org/drawingml/2006/compatibility" xmlns:p14="http://schemas.microsoft.com/office/powerpoint/2010/main" type="blank">
-  <p:cSld name="Blank">
-    <p:spTree>
-      <p:nvGrpSpPr>
-        <p:cNvPr id="48" name="Shape 48"/>
-        <p:cNvGrpSpPr/>
-        <p:nvPr/>
-      </p:nvGrpSpPr>
-      <p:grpSpPr>
-        <a:xfrm>
-          <a:off x="0" y="0"/>
-          <a:ext cx="0" cy="0"/>
-          <a:chOff x="0" y="0"/>
-          <a:chExt cx="0" cy="0"/>
-        </a:xfrm>
-      </p:grpSpPr>
-      <p:sp>
-        <p:nvSpPr>
-          <p:cNvPr id="49" name="Shape 49"/>
-          <p:cNvSpPr txBox="1"/>
-          <p:nvPr>
-            <p:ph idx="12" type="sldNum"/>
-          </p:nvPr>
-        </p:nvSpPr>
-        <p:spPr>
-          <a:xfrm>
-            <a:off x="8472457" y="4663216"/>
-            <a:ext cx="548699" cy="393600"/>
-          </a:xfrm>
-          <a:prstGeom prst="rect">
-            <a:avLst/>
-          </a:prstGeom>
-        </p:spPr>
-        <p:txBody>
-          <a:bodyPr anchorCtr="0" anchor="ctr" bIns="91425" lIns="91425" rIns="91425" tIns="91425">
-            <a:noAutofit/>
-          </a:bodyPr>
-          <a:lstStyle/>
-          <a:p>
-            <a:pPr lvl="0">
-              <a:spcBef>
-                <a:spcPts val="0"/>
-              </a:spcBef>
-              <a:buNone/>
-            </a:pPr>
-            <a:fld id="{00000000-1234-1234-1234-123412341234}" type="slidenum">
-              <a:rPr lang="fr"/>
-              <a:t>‹#›</a:t>
-            </a:fld>
-          </a:p>
-        </p:txBody>
-      </p:sp>
-    </p:spTree>
-  </p:cSld>
-  <p:clrMapOvr>
-    <a:masterClrMapping/>
-  </p:clrMapOvr>
-</p:sldLayout>
-</file>
-
-<file path=ppt/slideLayouts/slideLayout2.xml><?xml version="1.0" encoding="utf-8"?>
-<p:sldLayout xmlns:a="http://schemas.openxmlformats.org/drawingml/2006/main" xmlns:r="http://schemas.openxmlformats.org/officeDocument/2006/relationships" xmlns:mc="http://schemas.openxmlformats.org/markup-compatibility/2006" xmlns:mv="urn:schemas-microsoft-com:mac:vml" xmlns:p="http://schemas.openxmlformats.org/presentationml/2006/main" xmlns:c="http://schemas.openxmlformats.org/drawingml/2006/chart" xmlns:dgm="http://schemas.openxmlformats.org/drawingml/2006/diagram" xmlns:o="urn:schemas-microsoft-com:office:office" xmlns:v="urn:schemas-microsoft-com:vml" xmlns:pvml="urn:schemas-microsoft-com:office:powerpoint" xmlns:com="http://schemas.openxmlformats.org/drawingml/2006/compatibility" xmlns:p14="http://schemas.microsoft.com/office/powerpoint/2010/main" type="tx">
+<file path=ppt/slideLayouts/slideLayout3.xml><?xml version="1.0" encoding="utf-8"?>
+<p:sldLayout xmlns:a="http://schemas.openxmlformats.org/drawingml/2006/main" xmlns:r="http://schemas.openxmlformats.org/officeDocument/2006/relationships" xmlns:p="http://schemas.openxmlformats.org/presentationml/2006/main" type="tx">
   <p:cSld name="Title and body">
     <p:spTree>
       <p:nvGrpSpPr>
-        <p:cNvPr id="16" name="Shape 16"/>
+        <p:cNvPr id="1" name="Shape 16"/>
         <p:cNvGrpSpPr/>
         <p:nvPr/>
       </p:nvGrpSpPr>
@@ -1381,7 +1793,9 @@
       <p:sp>
         <p:nvSpPr>
           <p:cNvPr id="17" name="Shape 17"/>
-          <p:cNvSpPr txBox="1"/>
+          <p:cNvSpPr txBox="1">
+            <a:spLocks noGrp="1"/>
+          </p:cNvSpPr>
           <p:nvPr>
             <p:ph type="title"/>
           </p:nvPr>
@@ -1396,7 +1810,7 @@
           </a:prstGeom>
         </p:spPr>
         <p:txBody>
-          <a:bodyPr anchorCtr="0" anchor="t" bIns="91425" lIns="91425" rIns="91425" tIns="91425"/>
+          <a:bodyPr lIns="91425" tIns="91425" rIns="91425" bIns="91425" anchor="t" anchorCtr="0"/>
           <a:lstStyle>
             <a:lvl1pPr lvl="0">
               <a:spcBef>
@@ -1453,15 +1867,19 @@
               <a:defRPr/>
             </a:lvl9pPr>
           </a:lstStyle>
-          <a:p/>
+          <a:p>
+            <a:endParaRPr/>
+          </a:p>
         </p:txBody>
       </p:sp>
       <p:sp>
         <p:nvSpPr>
           <p:cNvPr id="18" name="Shape 18"/>
-          <p:cNvSpPr txBox="1"/>
+          <p:cNvSpPr txBox="1">
+            <a:spLocks noGrp="1"/>
+          </p:cNvSpPr>
           <p:nvPr>
-            <p:ph idx="1" type="body"/>
+            <p:ph type="body" idx="1"/>
           </p:nvPr>
         </p:nvSpPr>
         <p:spPr>
@@ -1474,7 +1892,7 @@
           </a:prstGeom>
         </p:spPr>
         <p:txBody>
-          <a:bodyPr anchorCtr="0" anchor="t" bIns="91425" lIns="91425" rIns="91425" tIns="91425"/>
+          <a:bodyPr lIns="91425" tIns="91425" rIns="91425" bIns="91425" anchor="t" anchorCtr="0"/>
           <a:lstStyle>
             <a:lvl1pPr lvl="0">
               <a:spcBef>
@@ -1531,15 +1949,19 @@
               <a:defRPr/>
             </a:lvl9pPr>
           </a:lstStyle>
-          <a:p/>
+          <a:p>
+            <a:endParaRPr/>
+          </a:p>
         </p:txBody>
       </p:sp>
       <p:sp>
         <p:nvSpPr>
           <p:cNvPr id="19" name="Shape 19"/>
-          <p:cNvSpPr txBox="1"/>
+          <p:cNvSpPr txBox="1">
+            <a:spLocks noGrp="1"/>
+          </p:cNvSpPr>
           <p:nvPr>
-            <p:ph idx="12" type="sldNum"/>
+            <p:ph type="sldNum" idx="12"/>
           </p:nvPr>
         </p:nvSpPr>
         <p:spPr>
@@ -1552,7 +1974,7 @@
           </a:prstGeom>
         </p:spPr>
         <p:txBody>
-          <a:bodyPr anchorCtr="0" anchor="ctr" bIns="91425" lIns="91425" rIns="91425" tIns="91425">
+          <a:bodyPr lIns="91425" tIns="91425" rIns="91425" bIns="91425" anchor="ctr" anchorCtr="0">
             <a:noAutofit/>
           </a:bodyPr>
           <a:lstStyle/>
@@ -1565,8 +1987,15 @@
             </a:pPr>
             <a:fld id="{00000000-1234-1234-1234-123412341234}" type="slidenum">
               <a:rPr lang="fr"/>
-              <a:t>‹#›</a:t>
+              <a:pPr lvl="0">
+                <a:spcBef>
+                  <a:spcPts val="0"/>
+                </a:spcBef>
+                <a:buNone/>
+              </a:pPr>
+              <a:t>‹N°›</a:t>
             </a:fld>
+            <a:endParaRPr lang="fr"/>
           </a:p>
         </p:txBody>
       </p:sp>
@@ -1578,12 +2007,12 @@
 </p:sldLayout>
 </file>
 
-<file path=ppt/slideLayouts/slideLayout3.xml><?xml version="1.0" encoding="utf-8"?>
-<p:sldLayout xmlns:a="http://schemas.openxmlformats.org/drawingml/2006/main" xmlns:r="http://schemas.openxmlformats.org/officeDocument/2006/relationships" xmlns:mc="http://schemas.openxmlformats.org/markup-compatibility/2006" xmlns:mv="urn:schemas-microsoft-com:mac:vml" xmlns:p="http://schemas.openxmlformats.org/presentationml/2006/main" xmlns:c="http://schemas.openxmlformats.org/drawingml/2006/chart" xmlns:dgm="http://schemas.openxmlformats.org/drawingml/2006/diagram" xmlns:o="urn:schemas-microsoft-com:office:office" xmlns:v="urn:schemas-microsoft-com:vml" xmlns:pvml="urn:schemas-microsoft-com:office:powerpoint" xmlns:com="http://schemas.openxmlformats.org/drawingml/2006/compatibility" xmlns:p14="http://schemas.microsoft.com/office/powerpoint/2010/main" type="twoColTx">
+<file path=ppt/slideLayouts/slideLayout4.xml><?xml version="1.0" encoding="utf-8"?>
+<p:sldLayout xmlns:a="http://schemas.openxmlformats.org/drawingml/2006/main" xmlns:r="http://schemas.openxmlformats.org/officeDocument/2006/relationships" xmlns:p="http://schemas.openxmlformats.org/presentationml/2006/main" type="twoColTx">
   <p:cSld name="Title and two columns">
     <p:spTree>
       <p:nvGrpSpPr>
-        <p:cNvPr id="20" name="Shape 20"/>
+        <p:cNvPr id="1" name="Shape 20"/>
         <p:cNvGrpSpPr/>
         <p:nvPr/>
       </p:nvGrpSpPr>
@@ -1598,7 +2027,9 @@
       <p:sp>
         <p:nvSpPr>
           <p:cNvPr id="21" name="Shape 21"/>
-          <p:cNvSpPr txBox="1"/>
+          <p:cNvSpPr txBox="1">
+            <a:spLocks noGrp="1"/>
+          </p:cNvSpPr>
           <p:nvPr>
             <p:ph type="title"/>
           </p:nvPr>
@@ -1613,7 +2044,7 @@
           </a:prstGeom>
         </p:spPr>
         <p:txBody>
-          <a:bodyPr anchorCtr="0" anchor="t" bIns="91425" lIns="91425" rIns="91425" tIns="91425"/>
+          <a:bodyPr lIns="91425" tIns="91425" rIns="91425" bIns="91425" anchor="t" anchorCtr="0"/>
           <a:lstStyle>
             <a:lvl1pPr lvl="0">
               <a:spcBef>
@@ -1670,15 +2101,19 @@
               <a:defRPr/>
             </a:lvl9pPr>
           </a:lstStyle>
-          <a:p/>
+          <a:p>
+            <a:endParaRPr/>
+          </a:p>
         </p:txBody>
       </p:sp>
       <p:sp>
         <p:nvSpPr>
           <p:cNvPr id="22" name="Shape 22"/>
-          <p:cNvSpPr txBox="1"/>
+          <p:cNvSpPr txBox="1">
+            <a:spLocks noGrp="1"/>
+          </p:cNvSpPr>
           <p:nvPr>
-            <p:ph idx="1" type="body"/>
+            <p:ph type="body" idx="1"/>
           </p:nvPr>
         </p:nvSpPr>
         <p:spPr>
@@ -1691,7 +2126,7 @@
           </a:prstGeom>
         </p:spPr>
         <p:txBody>
-          <a:bodyPr anchorCtr="0" anchor="t" bIns="91425" lIns="91425" rIns="91425" tIns="91425"/>
+          <a:bodyPr lIns="91425" tIns="91425" rIns="91425" bIns="91425" anchor="t" anchorCtr="0"/>
           <a:lstStyle>
             <a:lvl1pPr lvl="0">
               <a:spcBef>
@@ -1757,15 +2192,19 @@
               <a:defRPr sz="1200"/>
             </a:lvl9pPr>
           </a:lstStyle>
-          <a:p/>
+          <a:p>
+            <a:endParaRPr/>
+          </a:p>
         </p:txBody>
       </p:sp>
       <p:sp>
         <p:nvSpPr>
           <p:cNvPr id="23" name="Shape 23"/>
-          <p:cNvSpPr txBox="1"/>
+          <p:cNvSpPr txBox="1">
+            <a:spLocks noGrp="1"/>
+          </p:cNvSpPr>
           <p:nvPr>
-            <p:ph idx="2" type="body"/>
+            <p:ph type="body" idx="2"/>
           </p:nvPr>
         </p:nvSpPr>
         <p:spPr>
@@ -1778,7 +2217,7 @@
           </a:prstGeom>
         </p:spPr>
         <p:txBody>
-          <a:bodyPr anchorCtr="0" anchor="t" bIns="91425" lIns="91425" rIns="91425" tIns="91425"/>
+          <a:bodyPr lIns="91425" tIns="91425" rIns="91425" bIns="91425" anchor="t" anchorCtr="0"/>
           <a:lstStyle>
             <a:lvl1pPr lvl="0">
               <a:spcBef>
@@ -1844,15 +2283,19 @@
               <a:defRPr sz="1200"/>
             </a:lvl9pPr>
           </a:lstStyle>
-          <a:p/>
+          <a:p>
+            <a:endParaRPr/>
+          </a:p>
         </p:txBody>
       </p:sp>
       <p:sp>
         <p:nvSpPr>
           <p:cNvPr id="24" name="Shape 24"/>
-          <p:cNvSpPr txBox="1"/>
+          <p:cNvSpPr txBox="1">
+            <a:spLocks noGrp="1"/>
+          </p:cNvSpPr>
           <p:nvPr>
-            <p:ph idx="12" type="sldNum"/>
+            <p:ph type="sldNum" idx="12"/>
           </p:nvPr>
         </p:nvSpPr>
         <p:spPr>
@@ -1865,7 +2308,7 @@
           </a:prstGeom>
         </p:spPr>
         <p:txBody>
-          <a:bodyPr anchorCtr="0" anchor="ctr" bIns="91425" lIns="91425" rIns="91425" tIns="91425">
+          <a:bodyPr lIns="91425" tIns="91425" rIns="91425" bIns="91425" anchor="ctr" anchorCtr="0">
             <a:noAutofit/>
           </a:bodyPr>
           <a:lstStyle/>
@@ -1878,8 +2321,15 @@
             </a:pPr>
             <a:fld id="{00000000-1234-1234-1234-123412341234}" type="slidenum">
               <a:rPr lang="fr"/>
-              <a:t>‹#›</a:t>
+              <a:pPr lvl="0">
+                <a:spcBef>
+                  <a:spcPts val="0"/>
+                </a:spcBef>
+                <a:buNone/>
+              </a:pPr>
+              <a:t>‹N°›</a:t>
             </a:fld>
+            <a:endParaRPr lang="fr"/>
           </a:p>
         </p:txBody>
       </p:sp>
@@ -1891,12 +2341,12 @@
 </p:sldLayout>
 </file>
 
-<file path=ppt/slideLayouts/slideLayout4.xml><?xml version="1.0" encoding="utf-8"?>
-<p:sldLayout xmlns:a="http://schemas.openxmlformats.org/drawingml/2006/main" xmlns:r="http://schemas.openxmlformats.org/officeDocument/2006/relationships" xmlns:mc="http://schemas.openxmlformats.org/markup-compatibility/2006" xmlns:mv="urn:schemas-microsoft-com:mac:vml" xmlns:p="http://schemas.openxmlformats.org/presentationml/2006/main" xmlns:c="http://schemas.openxmlformats.org/drawingml/2006/chart" xmlns:dgm="http://schemas.openxmlformats.org/drawingml/2006/diagram" xmlns:o="urn:schemas-microsoft-com:office:office" xmlns:v="urn:schemas-microsoft-com:vml" xmlns:pvml="urn:schemas-microsoft-com:office:powerpoint" xmlns:com="http://schemas.openxmlformats.org/drawingml/2006/compatibility" xmlns:p14="http://schemas.microsoft.com/office/powerpoint/2010/main" type="titleOnly">
+<file path=ppt/slideLayouts/slideLayout5.xml><?xml version="1.0" encoding="utf-8"?>
+<p:sldLayout xmlns:a="http://schemas.openxmlformats.org/drawingml/2006/main" xmlns:r="http://schemas.openxmlformats.org/officeDocument/2006/relationships" xmlns:p="http://schemas.openxmlformats.org/presentationml/2006/main" type="titleOnly">
   <p:cSld name="Title only">
     <p:spTree>
       <p:nvGrpSpPr>
-        <p:cNvPr id="25" name="Shape 25"/>
+        <p:cNvPr id="1" name="Shape 25"/>
         <p:cNvGrpSpPr/>
         <p:nvPr/>
       </p:nvGrpSpPr>
@@ -1911,7 +2361,9 @@
       <p:sp>
         <p:nvSpPr>
           <p:cNvPr id="26" name="Shape 26"/>
-          <p:cNvSpPr txBox="1"/>
+          <p:cNvSpPr txBox="1">
+            <a:spLocks noGrp="1"/>
+          </p:cNvSpPr>
           <p:nvPr>
             <p:ph type="title"/>
           </p:nvPr>
@@ -1926,7 +2378,7 @@
           </a:prstGeom>
         </p:spPr>
         <p:txBody>
-          <a:bodyPr anchorCtr="0" anchor="t" bIns="91425" lIns="91425" rIns="91425" tIns="91425"/>
+          <a:bodyPr lIns="91425" tIns="91425" rIns="91425" bIns="91425" anchor="t" anchorCtr="0"/>
           <a:lstStyle>
             <a:lvl1pPr lvl="0">
               <a:spcBef>
@@ -1983,15 +2435,19 @@
               <a:defRPr/>
             </a:lvl9pPr>
           </a:lstStyle>
-          <a:p/>
+          <a:p>
+            <a:endParaRPr/>
+          </a:p>
         </p:txBody>
       </p:sp>
       <p:sp>
         <p:nvSpPr>
           <p:cNvPr id="27" name="Shape 27"/>
-          <p:cNvSpPr txBox="1"/>
+          <p:cNvSpPr txBox="1">
+            <a:spLocks noGrp="1"/>
+          </p:cNvSpPr>
           <p:nvPr>
-            <p:ph idx="12" type="sldNum"/>
+            <p:ph type="sldNum" idx="12"/>
           </p:nvPr>
         </p:nvSpPr>
         <p:spPr>
@@ -2004,7 +2460,7 @@
           </a:prstGeom>
         </p:spPr>
         <p:txBody>
-          <a:bodyPr anchorCtr="0" anchor="ctr" bIns="91425" lIns="91425" rIns="91425" tIns="91425">
+          <a:bodyPr lIns="91425" tIns="91425" rIns="91425" bIns="91425" anchor="ctr" anchorCtr="0">
             <a:noAutofit/>
           </a:bodyPr>
           <a:lstStyle/>
@@ -2017,8 +2473,15 @@
             </a:pPr>
             <a:fld id="{00000000-1234-1234-1234-123412341234}" type="slidenum">
               <a:rPr lang="fr"/>
-              <a:t>‹#›</a:t>
+              <a:pPr lvl="0">
+                <a:spcBef>
+                  <a:spcPts val="0"/>
+                </a:spcBef>
+                <a:buNone/>
+              </a:pPr>
+              <a:t>‹N°›</a:t>
             </a:fld>
+            <a:endParaRPr lang="fr"/>
           </a:p>
         </p:txBody>
       </p:sp>
@@ -2030,12 +2493,12 @@
 </p:sldLayout>
 </file>
 
-<file path=ppt/slideLayouts/slideLayout5.xml><?xml version="1.0" encoding="utf-8"?>
-<p:sldLayout xmlns:a="http://schemas.openxmlformats.org/drawingml/2006/main" xmlns:r="http://schemas.openxmlformats.org/officeDocument/2006/relationships" xmlns:mc="http://schemas.openxmlformats.org/markup-compatibility/2006" xmlns:mv="urn:schemas-microsoft-com:mac:vml" xmlns:p="http://schemas.openxmlformats.org/presentationml/2006/main" xmlns:c="http://schemas.openxmlformats.org/drawingml/2006/chart" xmlns:dgm="http://schemas.openxmlformats.org/drawingml/2006/diagram" xmlns:o="urn:schemas-microsoft-com:office:office" xmlns:v="urn:schemas-microsoft-com:vml" xmlns:pvml="urn:schemas-microsoft-com:office:powerpoint" xmlns:com="http://schemas.openxmlformats.org/drawingml/2006/compatibility" xmlns:p14="http://schemas.microsoft.com/office/powerpoint/2010/main">
+<file path=ppt/slideLayouts/slideLayout6.xml><?xml version="1.0" encoding="utf-8"?>
+<p:sldLayout xmlns:a="http://schemas.openxmlformats.org/drawingml/2006/main" xmlns:r="http://schemas.openxmlformats.org/officeDocument/2006/relationships" xmlns:p="http://schemas.openxmlformats.org/presentationml/2006/main">
   <p:cSld name="One column text">
     <p:spTree>
       <p:nvGrpSpPr>
-        <p:cNvPr id="28" name="Shape 28"/>
+        <p:cNvPr id="1" name="Shape 28"/>
         <p:cNvGrpSpPr/>
         <p:nvPr/>
       </p:nvGrpSpPr>
@@ -2050,7 +2513,9 @@
       <p:sp>
         <p:nvSpPr>
           <p:cNvPr id="29" name="Shape 29"/>
-          <p:cNvSpPr txBox="1"/>
+          <p:cNvSpPr txBox="1">
+            <a:spLocks noGrp="1"/>
+          </p:cNvSpPr>
           <p:nvPr>
             <p:ph type="title"/>
           </p:nvPr>
@@ -2065,7 +2530,7 @@
           </a:prstGeom>
         </p:spPr>
         <p:txBody>
-          <a:bodyPr anchorCtr="0" anchor="b" bIns="91425" lIns="91425" rIns="91425" tIns="91425"/>
+          <a:bodyPr lIns="91425" tIns="91425" rIns="91425" bIns="91425" anchor="b" anchorCtr="0"/>
           <a:lstStyle>
             <a:lvl1pPr lvl="0">
               <a:spcBef>
@@ -2131,15 +2596,19 @@
               <a:defRPr sz="2400"/>
             </a:lvl9pPr>
           </a:lstStyle>
-          <a:p/>
+          <a:p>
+            <a:endParaRPr/>
+          </a:p>
         </p:txBody>
       </p:sp>
       <p:sp>
         <p:nvSpPr>
           <p:cNvPr id="30" name="Shape 30"/>
-          <p:cNvSpPr txBox="1"/>
+          <p:cNvSpPr txBox="1">
+            <a:spLocks noGrp="1"/>
+          </p:cNvSpPr>
           <p:nvPr>
-            <p:ph idx="1" type="body"/>
+            <p:ph type="body" idx="1"/>
           </p:nvPr>
         </p:nvSpPr>
         <p:spPr>
@@ -2152,7 +2621,7 @@
           </a:prstGeom>
         </p:spPr>
         <p:txBody>
-          <a:bodyPr anchorCtr="0" anchor="t" bIns="91425" lIns="91425" rIns="91425" tIns="91425"/>
+          <a:bodyPr lIns="91425" tIns="91425" rIns="91425" bIns="91425" anchor="t" anchorCtr="0"/>
           <a:lstStyle>
             <a:lvl1pPr lvl="0">
               <a:spcBef>
@@ -2218,15 +2687,19 @@
               <a:defRPr sz="1200"/>
             </a:lvl9pPr>
           </a:lstStyle>
-          <a:p/>
+          <a:p>
+            <a:endParaRPr/>
+          </a:p>
         </p:txBody>
       </p:sp>
       <p:sp>
         <p:nvSpPr>
           <p:cNvPr id="31" name="Shape 31"/>
-          <p:cNvSpPr txBox="1"/>
+          <p:cNvSpPr txBox="1">
+            <a:spLocks noGrp="1"/>
+          </p:cNvSpPr>
           <p:nvPr>
-            <p:ph idx="12" type="sldNum"/>
+            <p:ph type="sldNum" idx="12"/>
           </p:nvPr>
         </p:nvSpPr>
         <p:spPr>
@@ -2239,7 +2712,7 @@
           </a:prstGeom>
         </p:spPr>
         <p:txBody>
-          <a:bodyPr anchorCtr="0" anchor="ctr" bIns="91425" lIns="91425" rIns="91425" tIns="91425">
+          <a:bodyPr lIns="91425" tIns="91425" rIns="91425" bIns="91425" anchor="ctr" anchorCtr="0">
             <a:noAutofit/>
           </a:bodyPr>
           <a:lstStyle/>
@@ -2252,8 +2725,15 @@
             </a:pPr>
             <a:fld id="{00000000-1234-1234-1234-123412341234}" type="slidenum">
               <a:rPr lang="fr"/>
-              <a:t>‹#›</a:t>
+              <a:pPr lvl="0">
+                <a:spcBef>
+                  <a:spcPts val="0"/>
+                </a:spcBef>
+                <a:buNone/>
+              </a:pPr>
+              <a:t>‹N°›</a:t>
             </a:fld>
+            <a:endParaRPr lang="fr"/>
           </a:p>
         </p:txBody>
       </p:sp>
@@ -2265,12 +2745,12 @@
 </p:sldLayout>
 </file>
 
-<file path=ppt/slideLayouts/slideLayout6.xml><?xml version="1.0" encoding="utf-8"?>
-<p:sldLayout xmlns:a="http://schemas.openxmlformats.org/drawingml/2006/main" xmlns:r="http://schemas.openxmlformats.org/officeDocument/2006/relationships" xmlns:mc="http://schemas.openxmlformats.org/markup-compatibility/2006" xmlns:mv="urn:schemas-microsoft-com:mac:vml" xmlns:p="http://schemas.openxmlformats.org/presentationml/2006/main" xmlns:c="http://schemas.openxmlformats.org/drawingml/2006/chart" xmlns:dgm="http://schemas.openxmlformats.org/drawingml/2006/diagram" xmlns:o="urn:schemas-microsoft-com:office:office" xmlns:v="urn:schemas-microsoft-com:vml" xmlns:pvml="urn:schemas-microsoft-com:office:powerpoint" xmlns:com="http://schemas.openxmlformats.org/drawingml/2006/compatibility" xmlns:p14="http://schemas.microsoft.com/office/powerpoint/2010/main">
+<file path=ppt/slideLayouts/slideLayout7.xml><?xml version="1.0" encoding="utf-8"?>
+<p:sldLayout xmlns:a="http://schemas.openxmlformats.org/drawingml/2006/main" xmlns:r="http://schemas.openxmlformats.org/officeDocument/2006/relationships" xmlns:p="http://schemas.openxmlformats.org/presentationml/2006/main">
   <p:cSld name="Main point">
     <p:spTree>
       <p:nvGrpSpPr>
-        <p:cNvPr id="32" name="Shape 32"/>
+        <p:cNvPr id="1" name="Shape 32"/>
         <p:cNvGrpSpPr/>
         <p:nvPr/>
       </p:nvGrpSpPr>
@@ -2285,7 +2765,9 @@
       <p:sp>
         <p:nvSpPr>
           <p:cNvPr id="33" name="Shape 33"/>
-          <p:cNvSpPr txBox="1"/>
+          <p:cNvSpPr txBox="1">
+            <a:spLocks noGrp="1"/>
+          </p:cNvSpPr>
           <p:nvPr>
             <p:ph type="title"/>
           </p:nvPr>
@@ -2300,7 +2782,7 @@
           </a:prstGeom>
         </p:spPr>
         <p:txBody>
-          <a:bodyPr anchorCtr="0" anchor="ctr" bIns="91425" lIns="91425" rIns="91425" tIns="91425"/>
+          <a:bodyPr lIns="91425" tIns="91425" rIns="91425" bIns="91425" anchor="ctr" anchorCtr="0"/>
           <a:lstStyle>
             <a:lvl1pPr lvl="0">
               <a:spcBef>
@@ -2366,15 +2848,19 @@
               <a:defRPr sz="4800"/>
             </a:lvl9pPr>
           </a:lstStyle>
-          <a:p/>
+          <a:p>
+            <a:endParaRPr/>
+          </a:p>
         </p:txBody>
       </p:sp>
       <p:sp>
         <p:nvSpPr>
           <p:cNvPr id="34" name="Shape 34"/>
-          <p:cNvSpPr txBox="1"/>
+          <p:cNvSpPr txBox="1">
+            <a:spLocks noGrp="1"/>
+          </p:cNvSpPr>
           <p:nvPr>
-            <p:ph idx="12" type="sldNum"/>
+            <p:ph type="sldNum" idx="12"/>
           </p:nvPr>
         </p:nvSpPr>
         <p:spPr>
@@ -2387,7 +2873,7 @@
           </a:prstGeom>
         </p:spPr>
         <p:txBody>
-          <a:bodyPr anchorCtr="0" anchor="ctr" bIns="91425" lIns="91425" rIns="91425" tIns="91425">
+          <a:bodyPr lIns="91425" tIns="91425" rIns="91425" bIns="91425" anchor="ctr" anchorCtr="0">
             <a:noAutofit/>
           </a:bodyPr>
           <a:lstStyle/>
@@ -2400,8 +2886,15 @@
             </a:pPr>
             <a:fld id="{00000000-1234-1234-1234-123412341234}" type="slidenum">
               <a:rPr lang="fr"/>
-              <a:t>‹#›</a:t>
+              <a:pPr lvl="0">
+                <a:spcBef>
+                  <a:spcPts val="0"/>
+                </a:spcBef>
+                <a:buNone/>
+              </a:pPr>
+              <a:t>‹N°›</a:t>
             </a:fld>
+            <a:endParaRPr lang="fr"/>
           </a:p>
         </p:txBody>
       </p:sp>
@@ -2413,12 +2906,12 @@
 </p:sldLayout>
 </file>
 
-<file path=ppt/slideLayouts/slideLayout7.xml><?xml version="1.0" encoding="utf-8"?>
-<p:sldLayout xmlns:a="http://schemas.openxmlformats.org/drawingml/2006/main" xmlns:r="http://schemas.openxmlformats.org/officeDocument/2006/relationships" xmlns:mc="http://schemas.openxmlformats.org/markup-compatibility/2006" xmlns:mv="urn:schemas-microsoft-com:mac:vml" xmlns:p="http://schemas.openxmlformats.org/presentationml/2006/main" xmlns:c="http://schemas.openxmlformats.org/drawingml/2006/chart" xmlns:dgm="http://schemas.openxmlformats.org/drawingml/2006/diagram" xmlns:o="urn:schemas-microsoft-com:office:office" xmlns:v="urn:schemas-microsoft-com:vml" xmlns:pvml="urn:schemas-microsoft-com:office:powerpoint" xmlns:com="http://schemas.openxmlformats.org/drawingml/2006/compatibility" xmlns:p14="http://schemas.microsoft.com/office/powerpoint/2010/main">
+<file path=ppt/slideLayouts/slideLayout8.xml><?xml version="1.0" encoding="utf-8"?>
+<p:sldLayout xmlns:a="http://schemas.openxmlformats.org/drawingml/2006/main" xmlns:r="http://schemas.openxmlformats.org/officeDocument/2006/relationships" xmlns:p="http://schemas.openxmlformats.org/presentationml/2006/main">
   <p:cSld name="Section title and description">
     <p:spTree>
       <p:nvGrpSpPr>
-        <p:cNvPr id="35" name="Shape 35"/>
+        <p:cNvPr id="1" name="Shape 35"/>
         <p:cNvGrpSpPr/>
         <p:nvPr/>
       </p:nvGrpSpPr>
@@ -2452,7 +2945,7 @@
           </a:ln>
         </p:spPr>
         <p:txBody>
-          <a:bodyPr anchorCtr="0" anchor="ctr" bIns="91425" lIns="91425" rIns="91425" tIns="91425">
+          <a:bodyPr lIns="91425" tIns="91425" rIns="91425" bIns="91425" anchor="ctr" anchorCtr="0">
             <a:noAutofit/>
           </a:bodyPr>
           <a:lstStyle/>
@@ -2463,9 +2956,6 @@
               </a:spcBef>
               <a:buNone/>
             </a:pPr>
-            <a:r>
-              <a:t/>
-            </a:r>
             <a:endParaRPr/>
           </a:p>
         </p:txBody>
@@ -2473,7 +2963,9 @@
       <p:sp>
         <p:nvSpPr>
           <p:cNvPr id="37" name="Shape 37"/>
-          <p:cNvSpPr txBox="1"/>
+          <p:cNvSpPr txBox="1">
+            <a:spLocks noGrp="1"/>
+          </p:cNvSpPr>
           <p:nvPr>
             <p:ph type="title"/>
           </p:nvPr>
@@ -2488,7 +2980,7 @@
           </a:prstGeom>
         </p:spPr>
         <p:txBody>
-          <a:bodyPr anchorCtr="0" anchor="b" bIns="91425" lIns="91425" rIns="91425" tIns="91425"/>
+          <a:bodyPr lIns="91425" tIns="91425" rIns="91425" bIns="91425" anchor="b" anchorCtr="0"/>
           <a:lstStyle>
             <a:lvl1pPr lvl="0" algn="ctr">
               <a:spcBef>
@@ -2554,15 +3046,19 @@
               <a:defRPr sz="4200"/>
             </a:lvl9pPr>
           </a:lstStyle>
-          <a:p/>
+          <a:p>
+            <a:endParaRPr/>
+          </a:p>
         </p:txBody>
       </p:sp>
       <p:sp>
         <p:nvSpPr>
           <p:cNvPr id="38" name="Shape 38"/>
-          <p:cNvSpPr txBox="1"/>
+          <p:cNvSpPr txBox="1">
+            <a:spLocks noGrp="1"/>
+          </p:cNvSpPr>
           <p:nvPr>
-            <p:ph idx="1" type="subTitle"/>
+            <p:ph type="subTitle" idx="1"/>
           </p:nvPr>
         </p:nvSpPr>
         <p:spPr>
@@ -2575,7 +3071,7 @@
           </a:prstGeom>
         </p:spPr>
         <p:txBody>
-          <a:bodyPr anchorCtr="0" anchor="t" bIns="91425" lIns="91425" rIns="91425" tIns="91425"/>
+          <a:bodyPr lIns="91425" tIns="91425" rIns="91425" bIns="91425" anchor="t" anchorCtr="0"/>
           <a:lstStyle>
             <a:lvl1pPr lvl="0" algn="ctr">
               <a:lnSpc>
@@ -2704,15 +3200,19 @@
               <a:defRPr sz="2100"/>
             </a:lvl9pPr>
           </a:lstStyle>
-          <a:p/>
+          <a:p>
+            <a:endParaRPr/>
+          </a:p>
         </p:txBody>
       </p:sp>
       <p:sp>
         <p:nvSpPr>
           <p:cNvPr id="39" name="Shape 39"/>
-          <p:cNvSpPr txBox="1"/>
+          <p:cNvSpPr txBox="1">
+            <a:spLocks noGrp="1"/>
+          </p:cNvSpPr>
           <p:nvPr>
-            <p:ph idx="2" type="body"/>
+            <p:ph type="body" idx="2"/>
           </p:nvPr>
         </p:nvSpPr>
         <p:spPr>
@@ -2725,7 +3225,7 @@
           </a:prstGeom>
         </p:spPr>
         <p:txBody>
-          <a:bodyPr anchorCtr="0" anchor="ctr" bIns="91425" lIns="91425" rIns="91425" tIns="91425"/>
+          <a:bodyPr lIns="91425" tIns="91425" rIns="91425" bIns="91425" anchor="ctr" anchorCtr="0"/>
           <a:lstStyle>
             <a:lvl1pPr lvl="0">
               <a:spcBef>
@@ -2782,15 +3282,19 @@
               <a:defRPr/>
             </a:lvl9pPr>
           </a:lstStyle>
-          <a:p/>
+          <a:p>
+            <a:endParaRPr/>
+          </a:p>
         </p:txBody>
       </p:sp>
       <p:sp>
         <p:nvSpPr>
           <p:cNvPr id="40" name="Shape 40"/>
-          <p:cNvSpPr txBox="1"/>
+          <p:cNvSpPr txBox="1">
+            <a:spLocks noGrp="1"/>
+          </p:cNvSpPr>
           <p:nvPr>
-            <p:ph idx="12" type="sldNum"/>
+            <p:ph type="sldNum" idx="12"/>
           </p:nvPr>
         </p:nvSpPr>
         <p:spPr>
@@ -2803,7 +3307,7 @@
           </a:prstGeom>
         </p:spPr>
         <p:txBody>
-          <a:bodyPr anchorCtr="0" anchor="ctr" bIns="91425" lIns="91425" rIns="91425" tIns="91425">
+          <a:bodyPr lIns="91425" tIns="91425" rIns="91425" bIns="91425" anchor="ctr" anchorCtr="0">
             <a:noAutofit/>
           </a:bodyPr>
           <a:lstStyle/>
@@ -2816,8 +3320,15 @@
             </a:pPr>
             <a:fld id="{00000000-1234-1234-1234-123412341234}" type="slidenum">
               <a:rPr lang="fr"/>
-              <a:t>‹#›</a:t>
+              <a:pPr lvl="0">
+                <a:spcBef>
+                  <a:spcPts val="0"/>
+                </a:spcBef>
+                <a:buNone/>
+              </a:pPr>
+              <a:t>‹N°›</a:t>
             </a:fld>
+            <a:endParaRPr lang="fr"/>
           </a:p>
         </p:txBody>
       </p:sp>
@@ -2829,12 +3340,12 @@
 </p:sldLayout>
 </file>
 
-<file path=ppt/slideLayouts/slideLayout8.xml><?xml version="1.0" encoding="utf-8"?>
-<p:sldLayout xmlns:a="http://schemas.openxmlformats.org/drawingml/2006/main" xmlns:r="http://schemas.openxmlformats.org/officeDocument/2006/relationships" xmlns:mc="http://schemas.openxmlformats.org/markup-compatibility/2006" xmlns:mv="urn:schemas-microsoft-com:mac:vml" xmlns:p="http://schemas.openxmlformats.org/presentationml/2006/main" xmlns:c="http://schemas.openxmlformats.org/drawingml/2006/chart" xmlns:dgm="http://schemas.openxmlformats.org/drawingml/2006/diagram" xmlns:o="urn:schemas-microsoft-com:office:office" xmlns:v="urn:schemas-microsoft-com:vml" xmlns:pvml="urn:schemas-microsoft-com:office:powerpoint" xmlns:com="http://schemas.openxmlformats.org/drawingml/2006/compatibility" xmlns:p14="http://schemas.microsoft.com/office/powerpoint/2010/main">
+<file path=ppt/slideLayouts/slideLayout9.xml><?xml version="1.0" encoding="utf-8"?>
+<p:sldLayout xmlns:a="http://schemas.openxmlformats.org/drawingml/2006/main" xmlns:r="http://schemas.openxmlformats.org/officeDocument/2006/relationships" xmlns:p="http://schemas.openxmlformats.org/presentationml/2006/main">
   <p:cSld name="Caption">
     <p:spTree>
       <p:nvGrpSpPr>
-        <p:cNvPr id="41" name="Shape 41"/>
+        <p:cNvPr id="1" name="Shape 41"/>
         <p:cNvGrpSpPr/>
         <p:nvPr/>
       </p:nvGrpSpPr>
@@ -2849,9 +3360,11 @@
       <p:sp>
         <p:nvSpPr>
           <p:cNvPr id="42" name="Shape 42"/>
-          <p:cNvSpPr txBox="1"/>
+          <p:cNvSpPr txBox="1">
+            <a:spLocks noGrp="1"/>
+          </p:cNvSpPr>
           <p:nvPr>
-            <p:ph idx="1" type="body"/>
+            <p:ph type="body" idx="1"/>
           </p:nvPr>
         </p:nvSpPr>
         <p:spPr>
@@ -2864,7 +3377,7 @@
           </a:prstGeom>
         </p:spPr>
         <p:txBody>
-          <a:bodyPr anchorCtr="0" anchor="ctr" bIns="91425" lIns="91425" rIns="91425" tIns="91425"/>
+          <a:bodyPr lIns="91425" tIns="91425" rIns="91425" bIns="91425" anchor="ctr" anchorCtr="0"/>
           <a:lstStyle>
             <a:lvl1pPr lvl="0">
               <a:lnSpc>
@@ -2880,15 +3393,19 @@
               <a:defRPr/>
             </a:lvl1pPr>
           </a:lstStyle>
-          <a:p/>
+          <a:p>
+            <a:endParaRPr/>
+          </a:p>
         </p:txBody>
       </p:sp>
       <p:sp>
         <p:nvSpPr>
           <p:cNvPr id="43" name="Shape 43"/>
-          <p:cNvSpPr txBox="1"/>
+          <p:cNvSpPr txBox="1">
+            <a:spLocks noGrp="1"/>
+          </p:cNvSpPr>
           <p:nvPr>
-            <p:ph idx="12" type="sldNum"/>
+            <p:ph type="sldNum" idx="12"/>
           </p:nvPr>
         </p:nvSpPr>
         <p:spPr>
@@ -2901,7 +3418,7 @@
           </a:prstGeom>
         </p:spPr>
         <p:txBody>
-          <a:bodyPr anchorCtr="0" anchor="ctr" bIns="91425" lIns="91425" rIns="91425" tIns="91425">
+          <a:bodyPr lIns="91425" tIns="91425" rIns="91425" bIns="91425" anchor="ctr" anchorCtr="0">
             <a:noAutofit/>
           </a:bodyPr>
           <a:lstStyle/>
@@ -2914,8 +3431,15 @@
             </a:pPr>
             <a:fld id="{00000000-1234-1234-1234-123412341234}" type="slidenum">
               <a:rPr lang="fr"/>
-              <a:t>‹#›</a:t>
+              <a:pPr lvl="0">
+                <a:spcBef>
+                  <a:spcPts val="0"/>
+                </a:spcBef>
+                <a:buNone/>
+              </a:pPr>
+              <a:t>‹N°›</a:t>
             </a:fld>
+            <a:endParaRPr lang="fr"/>
           </a:p>
         </p:txBody>
       </p:sp>
@@ -2927,245 +3451,20 @@
 </p:sldLayout>
 </file>
 
-<file path=ppt/slideLayouts/slideLayout9.xml><?xml version="1.0" encoding="utf-8"?>
-<p:sldLayout xmlns:a="http://schemas.openxmlformats.org/drawingml/2006/main" xmlns:r="http://schemas.openxmlformats.org/officeDocument/2006/relationships" xmlns:mc="http://schemas.openxmlformats.org/markup-compatibility/2006" xmlns:mv="urn:schemas-microsoft-com:mac:vml" xmlns:p="http://schemas.openxmlformats.org/presentationml/2006/main" xmlns:c="http://schemas.openxmlformats.org/drawingml/2006/chart" xmlns:dgm="http://schemas.openxmlformats.org/drawingml/2006/diagram" xmlns:o="urn:schemas-microsoft-com:office:office" xmlns:v="urn:schemas-microsoft-com:vml" xmlns:pvml="urn:schemas-microsoft-com:office:powerpoint" xmlns:com="http://schemas.openxmlformats.org/drawingml/2006/compatibility" xmlns:p14="http://schemas.microsoft.com/office/powerpoint/2010/main">
-  <p:cSld name="Big number">
-    <p:spTree>
-      <p:nvGrpSpPr>
-        <p:cNvPr id="44" name="Shape 44"/>
-        <p:cNvGrpSpPr/>
-        <p:nvPr/>
-      </p:nvGrpSpPr>
-      <p:grpSpPr>
-        <a:xfrm>
-          <a:off x="0" y="0"/>
-          <a:ext cx="0" cy="0"/>
-          <a:chOff x="0" y="0"/>
-          <a:chExt cx="0" cy="0"/>
-        </a:xfrm>
-      </p:grpSpPr>
-      <p:sp>
-        <p:nvSpPr>
-          <p:cNvPr id="45" name="Shape 45"/>
-          <p:cNvSpPr txBox="1"/>
-          <p:nvPr>
-            <p:ph type="title"/>
-          </p:nvPr>
-        </p:nvSpPr>
-        <p:spPr>
-          <a:xfrm>
-            <a:off x="311700" y="1106125"/>
-            <a:ext cx="8520599" cy="1963500"/>
-          </a:xfrm>
-          <a:prstGeom prst="rect">
-            <a:avLst/>
-          </a:prstGeom>
-        </p:spPr>
-        <p:txBody>
-          <a:bodyPr anchorCtr="0" anchor="b" bIns="91425" lIns="91425" rIns="91425" tIns="91425"/>
-          <a:lstStyle>
-            <a:lvl1pPr lvl="0" algn="ctr">
-              <a:spcBef>
-                <a:spcPts val="0"/>
-              </a:spcBef>
-              <a:buSzPct val="100000"/>
-              <a:defRPr sz="12000"/>
-            </a:lvl1pPr>
-            <a:lvl2pPr lvl="1" algn="ctr">
-              <a:spcBef>
-                <a:spcPts val="0"/>
-              </a:spcBef>
-              <a:buSzPct val="100000"/>
-              <a:defRPr sz="12000"/>
-            </a:lvl2pPr>
-            <a:lvl3pPr lvl="2" algn="ctr">
-              <a:spcBef>
-                <a:spcPts val="0"/>
-              </a:spcBef>
-              <a:buSzPct val="100000"/>
-              <a:defRPr sz="12000"/>
-            </a:lvl3pPr>
-            <a:lvl4pPr lvl="3" algn="ctr">
-              <a:spcBef>
-                <a:spcPts val="0"/>
-              </a:spcBef>
-              <a:buSzPct val="100000"/>
-              <a:defRPr sz="12000"/>
-            </a:lvl4pPr>
-            <a:lvl5pPr lvl="4" algn="ctr">
-              <a:spcBef>
-                <a:spcPts val="0"/>
-              </a:spcBef>
-              <a:buSzPct val="100000"/>
-              <a:defRPr sz="12000"/>
-            </a:lvl5pPr>
-            <a:lvl6pPr lvl="5" algn="ctr">
-              <a:spcBef>
-                <a:spcPts val="0"/>
-              </a:spcBef>
-              <a:buSzPct val="100000"/>
-              <a:defRPr sz="12000"/>
-            </a:lvl6pPr>
-            <a:lvl7pPr lvl="6" algn="ctr">
-              <a:spcBef>
-                <a:spcPts val="0"/>
-              </a:spcBef>
-              <a:buSzPct val="100000"/>
-              <a:defRPr sz="12000"/>
-            </a:lvl7pPr>
-            <a:lvl8pPr lvl="7" algn="ctr">
-              <a:spcBef>
-                <a:spcPts val="0"/>
-              </a:spcBef>
-              <a:buSzPct val="100000"/>
-              <a:defRPr sz="12000"/>
-            </a:lvl8pPr>
-            <a:lvl9pPr lvl="8" algn="ctr">
-              <a:spcBef>
-                <a:spcPts val="0"/>
-              </a:spcBef>
-              <a:buSzPct val="100000"/>
-              <a:defRPr sz="12000"/>
-            </a:lvl9pPr>
-          </a:lstStyle>
-          <a:p/>
-        </p:txBody>
-      </p:sp>
-      <p:sp>
-        <p:nvSpPr>
-          <p:cNvPr id="46" name="Shape 46"/>
-          <p:cNvSpPr txBox="1"/>
-          <p:nvPr>
-            <p:ph idx="1" type="body"/>
-          </p:nvPr>
-        </p:nvSpPr>
-        <p:spPr>
-          <a:xfrm>
-            <a:off x="311700" y="3152225"/>
-            <a:ext cx="8520599" cy="1300800"/>
-          </a:xfrm>
-          <a:prstGeom prst="rect">
-            <a:avLst/>
-          </a:prstGeom>
-        </p:spPr>
-        <p:txBody>
-          <a:bodyPr anchorCtr="0" anchor="t" bIns="91425" lIns="91425" rIns="91425" tIns="91425"/>
-          <a:lstStyle>
-            <a:lvl1pPr lvl="0" algn="ctr">
-              <a:spcBef>
-                <a:spcPts val="0"/>
-              </a:spcBef>
-              <a:defRPr/>
-            </a:lvl1pPr>
-            <a:lvl2pPr lvl="1" algn="ctr">
-              <a:spcBef>
-                <a:spcPts val="0"/>
-              </a:spcBef>
-              <a:defRPr/>
-            </a:lvl2pPr>
-            <a:lvl3pPr lvl="2" algn="ctr">
-              <a:spcBef>
-                <a:spcPts val="0"/>
-              </a:spcBef>
-              <a:defRPr/>
-            </a:lvl3pPr>
-            <a:lvl4pPr lvl="3" algn="ctr">
-              <a:spcBef>
-                <a:spcPts val="0"/>
-              </a:spcBef>
-              <a:defRPr/>
-            </a:lvl4pPr>
-            <a:lvl5pPr lvl="4" algn="ctr">
-              <a:spcBef>
-                <a:spcPts val="0"/>
-              </a:spcBef>
-              <a:defRPr/>
-            </a:lvl5pPr>
-            <a:lvl6pPr lvl="5" algn="ctr">
-              <a:spcBef>
-                <a:spcPts val="0"/>
-              </a:spcBef>
-              <a:defRPr/>
-            </a:lvl6pPr>
-            <a:lvl7pPr lvl="6" algn="ctr">
-              <a:spcBef>
-                <a:spcPts val="0"/>
-              </a:spcBef>
-              <a:defRPr/>
-            </a:lvl7pPr>
-            <a:lvl8pPr lvl="7" algn="ctr">
-              <a:spcBef>
-                <a:spcPts val="0"/>
-              </a:spcBef>
-              <a:defRPr/>
-            </a:lvl8pPr>
-            <a:lvl9pPr lvl="8" algn="ctr">
-              <a:spcBef>
-                <a:spcPts val="0"/>
-              </a:spcBef>
-              <a:defRPr/>
-            </a:lvl9pPr>
-          </a:lstStyle>
-          <a:p/>
-        </p:txBody>
-      </p:sp>
-      <p:sp>
-        <p:nvSpPr>
-          <p:cNvPr id="47" name="Shape 47"/>
-          <p:cNvSpPr txBox="1"/>
-          <p:nvPr>
-            <p:ph idx="12" type="sldNum"/>
-          </p:nvPr>
-        </p:nvSpPr>
-        <p:spPr>
-          <a:xfrm>
-            <a:off x="8472457" y="4663216"/>
-            <a:ext cx="548699" cy="393600"/>
-          </a:xfrm>
-          <a:prstGeom prst="rect">
-            <a:avLst/>
-          </a:prstGeom>
-        </p:spPr>
-        <p:txBody>
-          <a:bodyPr anchorCtr="0" anchor="ctr" bIns="91425" lIns="91425" rIns="91425" tIns="91425">
-            <a:noAutofit/>
-          </a:bodyPr>
-          <a:lstStyle/>
-          <a:p>
-            <a:pPr lvl="0">
-              <a:spcBef>
-                <a:spcPts val="0"/>
-              </a:spcBef>
-              <a:buNone/>
-            </a:pPr>
-            <a:fld id="{00000000-1234-1234-1234-123412341234}" type="slidenum">
-              <a:rPr lang="fr"/>
-              <a:t>‹#›</a:t>
-            </a:fld>
-          </a:p>
-        </p:txBody>
-      </p:sp>
-    </p:spTree>
-  </p:cSld>
-  <p:clrMapOvr>
-    <a:masterClrMapping/>
-  </p:clrMapOvr>
-</p:sldLayout>
-</file>
-
-<file path=ppt/slideMasters/slideMaster.xml><?xml version="1.0" encoding="utf-8"?>
-<p:sldMaster xmlns:a="http://schemas.openxmlformats.org/drawingml/2006/main" xmlns:r="http://schemas.openxmlformats.org/officeDocument/2006/relationships" xmlns:mc="http://schemas.openxmlformats.org/markup-compatibility/2006" xmlns:mv="urn:schemas-microsoft-com:mac:vml" xmlns:p="http://schemas.openxmlformats.org/presentationml/2006/main" xmlns:c="http://schemas.openxmlformats.org/drawingml/2006/chart" xmlns:dgm="http://schemas.openxmlformats.org/drawingml/2006/diagram" xmlns:o="urn:schemas-microsoft-com:office:office" xmlns:v="urn:schemas-microsoft-com:vml" xmlns:pvml="urn:schemas-microsoft-com:office:powerpoint" xmlns:com="http://schemas.openxmlformats.org/drawingml/2006/compatibility" xmlns:p14="http://schemas.microsoft.com/office/powerpoint/2010/main">
+<file path=ppt/slideMasters/slideMaster1.xml><?xml version="1.0" encoding="utf-8"?>
+<p:sldMaster xmlns:a="http://schemas.openxmlformats.org/drawingml/2006/main" xmlns:r="http://schemas.openxmlformats.org/officeDocument/2006/relationships" xmlns:p="http://schemas.openxmlformats.org/presentationml/2006/main">
   <p:cSld>
     <p:bg>
       <p:bgPr>
         <a:solidFill>
           <a:schemeClr val="lt1"/>
         </a:solidFill>
+        <a:effectLst/>
       </p:bgPr>
     </p:bg>
     <p:spTree>
       <p:nvGrpSpPr>
-        <p:cNvPr id="5" name="Shape 5"/>
+        <p:cNvPr id="1" name="Shape 5"/>
         <p:cNvGrpSpPr/>
         <p:nvPr/>
       </p:nvGrpSpPr>
@@ -3180,7 +3479,9 @@
       <p:sp>
         <p:nvSpPr>
           <p:cNvPr id="6" name="Shape 6"/>
-          <p:cNvSpPr txBox="1"/>
+          <p:cNvSpPr txBox="1">
+            <a:spLocks noGrp="1"/>
+          </p:cNvSpPr>
           <p:nvPr>
             <p:ph type="title"/>
           </p:nvPr>
@@ -3199,7 +3500,7 @@
           </a:ln>
         </p:spPr>
         <p:txBody>
-          <a:bodyPr anchorCtr="0" anchor="t" bIns="91425" lIns="91425" rIns="91425" tIns="91425"/>
+          <a:bodyPr lIns="91425" tIns="91425" rIns="91425" bIns="91425" anchor="t" anchorCtr="0"/>
           <a:lstStyle>
             <a:lvl1pPr lvl="0">
               <a:spcBef>
@@ -3337,15 +3638,19 @@
               </a:defRPr>
             </a:lvl9pPr>
           </a:lstStyle>
-          <a:p/>
+          <a:p>
+            <a:endParaRPr/>
+          </a:p>
         </p:txBody>
       </p:sp>
       <p:sp>
         <p:nvSpPr>
           <p:cNvPr id="7" name="Shape 7"/>
-          <p:cNvSpPr txBox="1"/>
+          <p:cNvSpPr txBox="1">
+            <a:spLocks noGrp="1"/>
+          </p:cNvSpPr>
           <p:nvPr>
-            <p:ph idx="1" type="body"/>
+            <p:ph type="body" idx="1"/>
           </p:nvPr>
         </p:nvSpPr>
         <p:spPr>
@@ -3362,7 +3667,7 @@
           </a:ln>
         </p:spPr>
         <p:txBody>
-          <a:bodyPr anchorCtr="0" anchor="t" bIns="91425" lIns="91425" rIns="91425" tIns="91425"/>
+          <a:bodyPr lIns="91425" tIns="91425" rIns="91425" bIns="91425" anchor="t" anchorCtr="0"/>
           <a:lstStyle>
             <a:lvl1pPr lvl="0">
               <a:lnSpc>
@@ -3537,15 +3842,19 @@
               </a:defRPr>
             </a:lvl9pPr>
           </a:lstStyle>
-          <a:p/>
+          <a:p>
+            <a:endParaRPr/>
+          </a:p>
         </p:txBody>
       </p:sp>
       <p:sp>
         <p:nvSpPr>
           <p:cNvPr id="8" name="Shape 8"/>
-          <p:cNvSpPr txBox="1"/>
+          <p:cNvSpPr txBox="1">
+            <a:spLocks noGrp="1"/>
+          </p:cNvSpPr>
           <p:nvPr>
-            <p:ph idx="12" type="sldNum"/>
+            <p:ph type="sldNum" idx="12"/>
           </p:nvPr>
         </p:nvSpPr>
         <p:spPr>
@@ -3562,7 +3871,7 @@
           </a:ln>
         </p:spPr>
         <p:txBody>
-          <a:bodyPr anchorCtr="0" anchor="ctr" bIns="91425" lIns="91425" rIns="91425" tIns="91425">
+          <a:bodyPr lIns="91425" tIns="91425" rIns="91425" bIns="91425" anchor="ctr" anchorCtr="0">
             <a:noAutofit/>
           </a:bodyPr>
           <a:lstStyle/>
@@ -3579,14 +3888,25 @@
                   <a:schemeClr val="dk2"/>
                 </a:solidFill>
               </a:rPr>
-              <a:t>‹#›</a:t>
+              <a:pPr lvl="0" algn="r">
+                <a:spcBef>
+                  <a:spcPts val="0"/>
+                </a:spcBef>
+                <a:buNone/>
+              </a:pPr>
+              <a:t>‹N°›</a:t>
             </a:fld>
+            <a:endParaRPr lang="fr" sz="1000">
+              <a:solidFill>
+                <a:schemeClr val="dk2"/>
+              </a:solidFill>
+            </a:endParaRPr>
           </a:p>
         </p:txBody>
       </p:sp>
     </p:spTree>
   </p:cSld>
-  <p:clrMap accent1="accent1" accent2="accent2" accent3="accent3" accent4="accent4" accent5="accent5" accent6="accent6" bg1="lt1" bg2="dk2" tx1="dk1" tx2="lt2" folHlink="folHlink" hlink="hlink"/>
+  <p:clrMap bg1="lt1" tx1="dk1" bg2="dk2" tx2="lt2" accent1="accent1" accent2="accent2" accent3="accent3" accent4="accent4" accent5="accent5" accent6="accent6" hlink="hlink" folHlink="folHlink"/>
   <p:sldLayoutIdLst>
     <p:sldLayoutId id="2147483648" r:id="rId1"/>
     <p:sldLayoutId id="2147483649" r:id="rId2"/>
@@ -3600,10 +3920,10 @@
     <p:sldLayoutId id="2147483657" r:id="rId10"/>
     <p:sldLayoutId id="2147483658" r:id="rId11"/>
   </p:sldLayoutIdLst>
-  <p:hf dt="0" ftr="0" hdr="0" sldNum="0"/>
+  <p:hf sldNum="0" hdr="0" ftr="0" dt="0"/>
   <p:txStyles>
     <p:titleStyle>
-      <a:defPPr lvl="0" marR="0" rtl="0" algn="l">
+      <a:defPPr marR="0" lvl="0" algn="l" rtl="0">
         <a:lnSpc>
           <a:spcPct val="100000"/>
         </a:lnSpc>
@@ -3614,7 +3934,7 @@
           <a:spcPts val="0"/>
         </a:spcAft>
       </a:defPPr>
-      <a:lvl1pPr lvl="0" marR="0" rtl="0" algn="l">
+      <a:lvl1pPr marR="0" lvl="0" algn="l" rtl="0">
         <a:lnSpc>
           <a:spcPct val="100000"/>
         </a:lnSpc>
@@ -3625,7 +3945,7 @@
           <a:spcPts val="0"/>
         </a:spcAft>
         <a:buNone/>
-        <a:defRPr b="0" i="0" sz="1400" u="none" cap="none" strike="noStrike">
+        <a:defRPr sz="1400" b="0" i="0" u="none" strike="noStrike" cap="none">
           <a:solidFill>
             <a:srgbClr val="000000"/>
           </a:solidFill>
@@ -3633,12 +3953,11 @@
           <a:ea typeface="Arial"/>
           <a:cs typeface="Arial"/>
           <a:sym typeface="Arial"/>
-          <a:rtl val="0"/>
         </a:defRPr>
       </a:lvl1pPr>
     </p:titleStyle>
     <p:bodyStyle>
-      <a:defPPr lvl="0" marR="0" rtl="0" algn="l">
+      <a:defPPr marR="0" lvl="0" algn="l" rtl="0">
         <a:lnSpc>
           <a:spcPct val="100000"/>
         </a:lnSpc>
@@ -3649,7 +3968,7 @@
           <a:spcPts val="0"/>
         </a:spcAft>
       </a:defPPr>
-      <a:lvl1pPr lvl="0" marR="0" rtl="0" algn="l">
+      <a:lvl1pPr marR="0" lvl="0" algn="l" rtl="0">
         <a:lnSpc>
           <a:spcPct val="100000"/>
         </a:lnSpc>
@@ -3660,7 +3979,7 @@
           <a:spcPts val="0"/>
         </a:spcAft>
         <a:buNone/>
-        <a:defRPr b="0" i="0" sz="1400" u="none" cap="none" strike="noStrike">
+        <a:defRPr sz="1400" b="0" i="0" u="none" strike="noStrike" cap="none">
           <a:solidFill>
             <a:srgbClr val="000000"/>
           </a:solidFill>
@@ -3668,10 +3987,9 @@
           <a:ea typeface="Arial"/>
           <a:cs typeface="Arial"/>
           <a:sym typeface="Arial"/>
-          <a:rtl val="0"/>
         </a:defRPr>
       </a:lvl1pPr>
-      <a:lvl2pPr lvl="1" marR="0" rtl="0" algn="l">
+      <a:lvl2pPr marR="0" lvl="1" algn="l" rtl="0">
         <a:lnSpc>
           <a:spcPct val="100000"/>
         </a:lnSpc>
@@ -3682,7 +4000,7 @@
           <a:spcPts val="0"/>
         </a:spcAft>
         <a:buNone/>
-        <a:defRPr b="0" i="0" sz="1400" u="none" cap="none" strike="noStrike">
+        <a:defRPr sz="1400" b="0" i="0" u="none" strike="noStrike" cap="none">
           <a:solidFill>
             <a:srgbClr val="000000"/>
           </a:solidFill>
@@ -3690,10 +4008,9 @@
           <a:ea typeface="Arial"/>
           <a:cs typeface="Arial"/>
           <a:sym typeface="Arial"/>
-          <a:rtl val="0"/>
         </a:defRPr>
       </a:lvl2pPr>
-      <a:lvl3pPr lvl="2" marR="0" rtl="0" algn="l">
+      <a:lvl3pPr marR="0" lvl="2" algn="l" rtl="0">
         <a:lnSpc>
           <a:spcPct val="100000"/>
         </a:lnSpc>
@@ -3704,7 +4021,7 @@
           <a:spcPts val="0"/>
         </a:spcAft>
         <a:buNone/>
-        <a:defRPr b="0" i="0" sz="1400" u="none" cap="none" strike="noStrike">
+        <a:defRPr sz="1400" b="0" i="0" u="none" strike="noStrike" cap="none">
           <a:solidFill>
             <a:srgbClr val="000000"/>
           </a:solidFill>
@@ -3712,10 +4029,9 @@
           <a:ea typeface="Arial"/>
           <a:cs typeface="Arial"/>
           <a:sym typeface="Arial"/>
-          <a:rtl val="0"/>
         </a:defRPr>
       </a:lvl3pPr>
-      <a:lvl4pPr lvl="3" marR="0" rtl="0" algn="l">
+      <a:lvl4pPr marR="0" lvl="3" algn="l" rtl="0">
         <a:lnSpc>
           <a:spcPct val="100000"/>
         </a:lnSpc>
@@ -3726,7 +4042,7 @@
           <a:spcPts val="0"/>
         </a:spcAft>
         <a:buNone/>
-        <a:defRPr b="0" i="0" sz="1400" u="none" cap="none" strike="noStrike">
+        <a:defRPr sz="1400" b="0" i="0" u="none" strike="noStrike" cap="none">
           <a:solidFill>
             <a:srgbClr val="000000"/>
           </a:solidFill>
@@ -3734,10 +4050,9 @@
           <a:ea typeface="Arial"/>
           <a:cs typeface="Arial"/>
           <a:sym typeface="Arial"/>
-          <a:rtl val="0"/>
         </a:defRPr>
       </a:lvl4pPr>
-      <a:lvl5pPr lvl="4" marR="0" rtl="0" algn="l">
+      <a:lvl5pPr marR="0" lvl="4" algn="l" rtl="0">
         <a:lnSpc>
           <a:spcPct val="100000"/>
         </a:lnSpc>
@@ -3748,7 +4063,7 @@
           <a:spcPts val="0"/>
         </a:spcAft>
         <a:buNone/>
-        <a:defRPr b="0" i="0" sz="1400" u="none" cap="none" strike="noStrike">
+        <a:defRPr sz="1400" b="0" i="0" u="none" strike="noStrike" cap="none">
           <a:solidFill>
             <a:srgbClr val="000000"/>
           </a:solidFill>
@@ -3756,10 +4071,9 @@
           <a:ea typeface="Arial"/>
           <a:cs typeface="Arial"/>
           <a:sym typeface="Arial"/>
-          <a:rtl val="0"/>
         </a:defRPr>
       </a:lvl5pPr>
-      <a:lvl6pPr lvl="5" marR="0" rtl="0" algn="l">
+      <a:lvl6pPr marR="0" lvl="5" algn="l" rtl="0">
         <a:lnSpc>
           <a:spcPct val="100000"/>
         </a:lnSpc>
@@ -3770,7 +4084,7 @@
           <a:spcPts val="0"/>
         </a:spcAft>
         <a:buNone/>
-        <a:defRPr b="0" i="0" sz="1400" u="none" cap="none" strike="noStrike">
+        <a:defRPr sz="1400" b="0" i="0" u="none" strike="noStrike" cap="none">
           <a:solidFill>
             <a:srgbClr val="000000"/>
           </a:solidFill>
@@ -3778,10 +4092,9 @@
           <a:ea typeface="Arial"/>
           <a:cs typeface="Arial"/>
           <a:sym typeface="Arial"/>
-          <a:rtl val="0"/>
         </a:defRPr>
       </a:lvl6pPr>
-      <a:lvl7pPr lvl="6" marR="0" rtl="0" algn="l">
+      <a:lvl7pPr marR="0" lvl="6" algn="l" rtl="0">
         <a:lnSpc>
           <a:spcPct val="100000"/>
         </a:lnSpc>
@@ -3792,7 +4105,7 @@
           <a:spcPts val="0"/>
         </a:spcAft>
         <a:buNone/>
-        <a:defRPr b="0" i="0" sz="1400" u="none" cap="none" strike="noStrike">
+        <a:defRPr sz="1400" b="0" i="0" u="none" strike="noStrike" cap="none">
           <a:solidFill>
             <a:srgbClr val="000000"/>
           </a:solidFill>
@@ -3800,10 +4113,9 @@
           <a:ea typeface="Arial"/>
           <a:cs typeface="Arial"/>
           <a:sym typeface="Arial"/>
-          <a:rtl val="0"/>
         </a:defRPr>
       </a:lvl7pPr>
-      <a:lvl8pPr lvl="7" marR="0" rtl="0" algn="l">
+      <a:lvl8pPr marR="0" lvl="7" algn="l" rtl="0">
         <a:lnSpc>
           <a:spcPct val="100000"/>
         </a:lnSpc>
@@ -3814,7 +4126,7 @@
           <a:spcPts val="0"/>
         </a:spcAft>
         <a:buNone/>
-        <a:defRPr b="0" i="0" sz="1400" u="none" cap="none" strike="noStrike">
+        <a:defRPr sz="1400" b="0" i="0" u="none" strike="noStrike" cap="none">
           <a:solidFill>
             <a:srgbClr val="000000"/>
           </a:solidFill>
@@ -3822,10 +4134,9 @@
           <a:ea typeface="Arial"/>
           <a:cs typeface="Arial"/>
           <a:sym typeface="Arial"/>
-          <a:rtl val="0"/>
         </a:defRPr>
       </a:lvl8pPr>
-      <a:lvl9pPr lvl="8" marR="0" rtl="0" algn="l">
+      <a:lvl9pPr marR="0" lvl="8" algn="l" rtl="0">
         <a:lnSpc>
           <a:spcPct val="100000"/>
         </a:lnSpc>
@@ -3836,7 +4147,7 @@
           <a:spcPts val="0"/>
         </a:spcAft>
         <a:buNone/>
-        <a:defRPr b="0" i="0" sz="1400" u="none" cap="none" strike="noStrike">
+        <a:defRPr sz="1400" b="0" i="0" u="none" strike="noStrike" cap="none">
           <a:solidFill>
             <a:srgbClr val="000000"/>
           </a:solidFill>
@@ -3844,12 +4155,11 @@
           <a:ea typeface="Arial"/>
           <a:cs typeface="Arial"/>
           <a:sym typeface="Arial"/>
-          <a:rtl val="0"/>
         </a:defRPr>
       </a:lvl9pPr>
     </p:bodyStyle>
     <p:otherStyle>
-      <a:defPPr lvl="0" marR="0" rtl="0" algn="l">
+      <a:defPPr marR="0" lvl="0" algn="l" rtl="0">
         <a:lnSpc>
           <a:spcPct val="100000"/>
         </a:lnSpc>
@@ -3860,7 +4170,7 @@
           <a:spcPts val="0"/>
         </a:spcAft>
       </a:defPPr>
-      <a:lvl1pPr lvl="0" marR="0" rtl="0" algn="l">
+      <a:lvl1pPr marR="0" lvl="0" algn="l" rtl="0">
         <a:lnSpc>
           <a:spcPct val="100000"/>
         </a:lnSpc>
@@ -3871,7 +4181,7 @@
           <a:spcPts val="0"/>
         </a:spcAft>
         <a:buNone/>
-        <a:defRPr b="0" i="0" sz="1400" u="none" cap="none" strike="noStrike">
+        <a:defRPr sz="1400" b="0" i="0" u="none" strike="noStrike" cap="none">
           <a:solidFill>
             <a:srgbClr val="000000"/>
           </a:solidFill>
@@ -3879,10 +4189,9 @@
           <a:ea typeface="Arial"/>
           <a:cs typeface="Arial"/>
           <a:sym typeface="Arial"/>
-          <a:rtl val="0"/>
         </a:defRPr>
       </a:lvl1pPr>
-      <a:lvl2pPr lvl="1" marR="0" rtl="0" algn="l">
+      <a:lvl2pPr marR="0" lvl="1" algn="l" rtl="0">
         <a:lnSpc>
           <a:spcPct val="100000"/>
         </a:lnSpc>
@@ -3893,7 +4202,7 @@
           <a:spcPts val="0"/>
         </a:spcAft>
         <a:buNone/>
-        <a:defRPr b="0" i="0" sz="1400" u="none" cap="none" strike="noStrike">
+        <a:defRPr sz="1400" b="0" i="0" u="none" strike="noStrike" cap="none">
           <a:solidFill>
             <a:srgbClr val="000000"/>
           </a:solidFill>
@@ -3901,10 +4210,9 @@
           <a:ea typeface="Arial"/>
           <a:cs typeface="Arial"/>
           <a:sym typeface="Arial"/>
-          <a:rtl val="0"/>
         </a:defRPr>
       </a:lvl2pPr>
-      <a:lvl3pPr lvl="2" marR="0" rtl="0" algn="l">
+      <a:lvl3pPr marR="0" lvl="2" algn="l" rtl="0">
         <a:lnSpc>
           <a:spcPct val="100000"/>
         </a:lnSpc>
@@ -3915,7 +4223,7 @@
           <a:spcPts val="0"/>
         </a:spcAft>
         <a:buNone/>
-        <a:defRPr b="0" i="0" sz="1400" u="none" cap="none" strike="noStrike">
+        <a:defRPr sz="1400" b="0" i="0" u="none" strike="noStrike" cap="none">
           <a:solidFill>
             <a:srgbClr val="000000"/>
           </a:solidFill>
@@ -3923,10 +4231,9 @@
           <a:ea typeface="Arial"/>
           <a:cs typeface="Arial"/>
           <a:sym typeface="Arial"/>
-          <a:rtl val="0"/>
         </a:defRPr>
       </a:lvl3pPr>
-      <a:lvl4pPr lvl="3" marR="0" rtl="0" algn="l">
+      <a:lvl4pPr marR="0" lvl="3" algn="l" rtl="0">
         <a:lnSpc>
           <a:spcPct val="100000"/>
         </a:lnSpc>
@@ -3937,7 +4244,7 @@
           <a:spcPts val="0"/>
         </a:spcAft>
         <a:buNone/>
-        <a:defRPr b="0" i="0" sz="1400" u="none" cap="none" strike="noStrike">
+        <a:defRPr sz="1400" b="0" i="0" u="none" strike="noStrike" cap="none">
           <a:solidFill>
             <a:srgbClr val="000000"/>
           </a:solidFill>
@@ -3945,10 +4252,9 @@
           <a:ea typeface="Arial"/>
           <a:cs typeface="Arial"/>
           <a:sym typeface="Arial"/>
-          <a:rtl val="0"/>
         </a:defRPr>
       </a:lvl4pPr>
-      <a:lvl5pPr lvl="4" marR="0" rtl="0" algn="l">
+      <a:lvl5pPr marR="0" lvl="4" algn="l" rtl="0">
         <a:lnSpc>
           <a:spcPct val="100000"/>
         </a:lnSpc>
@@ -3959,7 +4265,7 @@
           <a:spcPts val="0"/>
         </a:spcAft>
         <a:buNone/>
-        <a:defRPr b="0" i="0" sz="1400" u="none" cap="none" strike="noStrike">
+        <a:defRPr sz="1400" b="0" i="0" u="none" strike="noStrike" cap="none">
           <a:solidFill>
             <a:srgbClr val="000000"/>
           </a:solidFill>
@@ -3967,10 +4273,9 @@
           <a:ea typeface="Arial"/>
           <a:cs typeface="Arial"/>
           <a:sym typeface="Arial"/>
-          <a:rtl val="0"/>
         </a:defRPr>
       </a:lvl5pPr>
-      <a:lvl6pPr lvl="5" marR="0" rtl="0" algn="l">
+      <a:lvl6pPr marR="0" lvl="5" algn="l" rtl="0">
         <a:lnSpc>
           <a:spcPct val="100000"/>
         </a:lnSpc>
@@ -3981,7 +4286,7 @@
           <a:spcPts val="0"/>
         </a:spcAft>
         <a:buNone/>
-        <a:defRPr b="0" i="0" sz="1400" u="none" cap="none" strike="noStrike">
+        <a:defRPr sz="1400" b="0" i="0" u="none" strike="noStrike" cap="none">
           <a:solidFill>
             <a:srgbClr val="000000"/>
           </a:solidFill>
@@ -3989,10 +4294,9 @@
           <a:ea typeface="Arial"/>
           <a:cs typeface="Arial"/>
           <a:sym typeface="Arial"/>
-          <a:rtl val="0"/>
         </a:defRPr>
       </a:lvl6pPr>
-      <a:lvl7pPr lvl="6" marR="0" rtl="0" algn="l">
+      <a:lvl7pPr marR="0" lvl="6" algn="l" rtl="0">
         <a:lnSpc>
           <a:spcPct val="100000"/>
         </a:lnSpc>
@@ -4003,7 +4307,7 @@
           <a:spcPts val="0"/>
         </a:spcAft>
         <a:buNone/>
-        <a:defRPr b="0" i="0" sz="1400" u="none" cap="none" strike="noStrike">
+        <a:defRPr sz="1400" b="0" i="0" u="none" strike="noStrike" cap="none">
           <a:solidFill>
             <a:srgbClr val="000000"/>
           </a:solidFill>
@@ -4011,10 +4315,9 @@
           <a:ea typeface="Arial"/>
           <a:cs typeface="Arial"/>
           <a:sym typeface="Arial"/>
-          <a:rtl val="0"/>
         </a:defRPr>
       </a:lvl7pPr>
-      <a:lvl8pPr lvl="7" marR="0" rtl="0" algn="l">
+      <a:lvl8pPr marR="0" lvl="7" algn="l" rtl="0">
         <a:lnSpc>
           <a:spcPct val="100000"/>
         </a:lnSpc>
@@ -4025,7 +4328,7 @@
           <a:spcPts val="0"/>
         </a:spcAft>
         <a:buNone/>
-        <a:defRPr b="0" i="0" sz="1400" u="none" cap="none" strike="noStrike">
+        <a:defRPr sz="1400" b="0" i="0" u="none" strike="noStrike" cap="none">
           <a:solidFill>
             <a:srgbClr val="000000"/>
           </a:solidFill>
@@ -4033,10 +4336,9 @@
           <a:ea typeface="Arial"/>
           <a:cs typeface="Arial"/>
           <a:sym typeface="Arial"/>
-          <a:rtl val="0"/>
         </a:defRPr>
       </a:lvl8pPr>
-      <a:lvl9pPr lvl="8" marR="0" rtl="0" algn="l">
+      <a:lvl9pPr marR="0" lvl="8" algn="l" rtl="0">
         <a:lnSpc>
           <a:spcPct val="100000"/>
         </a:lnSpc>
@@ -4047,7 +4349,7 @@
           <a:spcPts val="0"/>
         </a:spcAft>
         <a:buNone/>
-        <a:defRPr b="0" i="0" sz="1400" u="none" cap="none" strike="noStrike">
+        <a:defRPr sz="1400" b="0" i="0" u="none" strike="noStrike" cap="none">
           <a:solidFill>
             <a:srgbClr val="000000"/>
           </a:solidFill>
@@ -4055,7 +4357,6 @@
           <a:ea typeface="Arial"/>
           <a:cs typeface="Arial"/>
           <a:sym typeface="Arial"/>
-          <a:rtl val="0"/>
         </a:defRPr>
       </a:lvl9pPr>
     </p:otherStyle>
@@ -4063,17 +4364,18 @@
 </p:sldMaster>
 </file>
 
-<file path=ppt/slides/slide.xml><?xml version="1.0" encoding="utf-8"?>
-<p:sld xmlns:a="http://schemas.openxmlformats.org/drawingml/2006/main" xmlns:r="http://schemas.openxmlformats.org/officeDocument/2006/relationships" xmlns:mc="http://schemas.openxmlformats.org/markup-compatibility/2006" xmlns:mv="urn:schemas-microsoft-com:mac:vml" xmlns:p="http://schemas.openxmlformats.org/presentationml/2006/main" xmlns:c="http://schemas.openxmlformats.org/drawingml/2006/chart" xmlns:dgm="http://schemas.openxmlformats.org/drawingml/2006/diagram" xmlns:o="urn:schemas-microsoft-com:office:office" xmlns:v="urn:schemas-microsoft-com:vml" xmlns:pvml="urn:schemas-microsoft-com:office:powerpoint" xmlns:com="http://schemas.openxmlformats.org/drawingml/2006/compatibility" xmlns:p14="http://schemas.microsoft.com/office/powerpoint/2010/main">
+<file path=ppt/slides/slide1.xml><?xml version="1.0" encoding="utf-8"?>
+<p:sld xmlns:a="http://schemas.openxmlformats.org/drawingml/2006/main" xmlns:r="http://schemas.openxmlformats.org/officeDocument/2006/relationships" xmlns:p="http://schemas.openxmlformats.org/presentationml/2006/main">
   <p:cSld>
     <p:bg>
       <p:bgPr>
         <a:noFill/>
+        <a:effectLst/>
       </p:bgPr>
     </p:bg>
     <p:spTree>
       <p:nvGrpSpPr>
-        <p:cNvPr id="53" name="Shape 53"/>
+        <p:cNvPr id="1" name="Shape 53"/>
         <p:cNvGrpSpPr/>
         <p:nvPr/>
       </p:nvGrpSpPr>
@@ -4088,9 +4390,11 @@
       <p:sp>
         <p:nvSpPr>
           <p:cNvPr id="54" name="Shape 54"/>
-          <p:cNvSpPr txBox="1"/>
+          <p:cNvSpPr txBox="1">
+            <a:spLocks noGrp="1"/>
+          </p:cNvSpPr>
           <p:nvPr>
-            <p:ph idx="1" type="subTitle"/>
+            <p:ph type="subTitle" idx="1"/>
           </p:nvPr>
         </p:nvSpPr>
         <p:spPr>
@@ -4103,7 +4407,7 @@
           </a:prstGeom>
         </p:spPr>
         <p:txBody>
-          <a:bodyPr anchorCtr="0" anchor="t" bIns="91425" lIns="91425" rIns="91425" tIns="91425">
+          <a:bodyPr lIns="91425" tIns="91425" rIns="91425" bIns="91425" anchor="t" anchorCtr="0">
             <a:noAutofit/>
           </a:bodyPr>
           <a:lstStyle/>
@@ -4152,7 +4456,9 @@
       <p:sp>
         <p:nvSpPr>
           <p:cNvPr id="56" name="Shape 56"/>
-          <p:cNvSpPr txBox="1"/>
+          <p:cNvSpPr txBox="1">
+            <a:spLocks noGrp="1"/>
+          </p:cNvSpPr>
           <p:nvPr>
             <p:ph type="ctrTitle"/>
           </p:nvPr>
@@ -4167,7 +4473,7 @@
           </a:prstGeom>
         </p:spPr>
         <p:txBody>
-          <a:bodyPr anchorCtr="0" anchor="b" bIns="91425" lIns="91425" rIns="91425" tIns="91425">
+          <a:bodyPr lIns="91425" tIns="91425" rIns="91425" bIns="91425" anchor="b" anchorCtr="0">
             <a:noAutofit/>
           </a:bodyPr>
           <a:lstStyle/>
@@ -4195,7 +4501,7 @@
           <a:blip r:embed="rId4">
             <a:alphaModFix/>
           </a:blip>
-          <a:srcRect b="13680" l="-13680" r="13680" t="-13680"/>
+          <a:srcRect l="-13680" t="-13680" r="13680" b="13680"/>
           <a:stretch/>
         </p:blipFill>
         <p:spPr>
@@ -4223,12 +4529,12 @@
 </p:sld>
 </file>
 
-<file path=ppt/slides/slide1.xml><?xml version="1.0" encoding="utf-8"?>
-<p:sld xmlns:a="http://schemas.openxmlformats.org/drawingml/2006/main" xmlns:r="http://schemas.openxmlformats.org/officeDocument/2006/relationships" xmlns:mc="http://schemas.openxmlformats.org/markup-compatibility/2006" xmlns:mv="urn:schemas-microsoft-com:mac:vml" xmlns:p="http://schemas.openxmlformats.org/presentationml/2006/main" xmlns:c="http://schemas.openxmlformats.org/drawingml/2006/chart" xmlns:dgm="http://schemas.openxmlformats.org/drawingml/2006/diagram" xmlns:o="urn:schemas-microsoft-com:office:office" xmlns:v="urn:schemas-microsoft-com:vml" xmlns:pvml="urn:schemas-microsoft-com:office:powerpoint" xmlns:com="http://schemas.openxmlformats.org/drawingml/2006/compatibility" xmlns:p14="http://schemas.microsoft.com/office/powerpoint/2010/main">
+<file path=ppt/slides/slide2.xml><?xml version="1.0" encoding="utf-8"?>
+<p:sld xmlns:a="http://schemas.openxmlformats.org/drawingml/2006/main" xmlns:r="http://schemas.openxmlformats.org/officeDocument/2006/relationships" xmlns:p="http://schemas.openxmlformats.org/presentationml/2006/main">
   <p:cSld>
     <p:spTree>
       <p:nvGrpSpPr>
-        <p:cNvPr id="61" name="Shape 61"/>
+        <p:cNvPr id="1" name="Shape 61"/>
         <p:cNvGrpSpPr/>
         <p:nvPr/>
       </p:nvGrpSpPr>
@@ -4271,7 +4577,9 @@
       <p:sp>
         <p:nvSpPr>
           <p:cNvPr id="63" name="Shape 63"/>
-          <p:cNvSpPr txBox="1"/>
+          <p:cNvSpPr txBox="1">
+            <a:spLocks noGrp="1"/>
+          </p:cNvSpPr>
           <p:nvPr>
             <p:ph type="ctrTitle"/>
           </p:nvPr>
@@ -4286,7 +4594,7 @@
           </a:prstGeom>
         </p:spPr>
         <p:txBody>
-          <a:bodyPr anchorCtr="0" anchor="b" bIns="91425" lIns="91425" rIns="91425" tIns="91425">
+          <a:bodyPr lIns="91425" tIns="91425" rIns="91425" bIns="91425" anchor="b" anchorCtr="0">
             <a:noAutofit/>
           </a:bodyPr>
           <a:lstStyle/>
@@ -4307,9 +4615,11 @@
       <p:sp>
         <p:nvSpPr>
           <p:cNvPr id="64" name="Shape 64"/>
-          <p:cNvSpPr txBox="1"/>
+          <p:cNvSpPr txBox="1">
+            <a:spLocks noGrp="1"/>
+          </p:cNvSpPr>
           <p:nvPr>
-            <p:ph idx="1" type="subTitle"/>
+            <p:ph type="subTitle" idx="1"/>
           </p:nvPr>
         </p:nvSpPr>
         <p:spPr>
@@ -4322,12 +4632,12 @@
           </a:prstGeom>
         </p:spPr>
         <p:txBody>
-          <a:bodyPr anchorCtr="0" anchor="t" bIns="91425" lIns="91425" rIns="91425" tIns="91425">
+          <a:bodyPr lIns="91425" tIns="91425" rIns="91425" bIns="91425" anchor="t" anchorCtr="0">
             <a:noAutofit/>
           </a:bodyPr>
           <a:lstStyle/>
           <a:p>
-            <a:pPr lvl="0" rtl="0" algn="l">
+            <a:pPr lvl="0" algn="l" rtl="0">
               <a:spcBef>
                 <a:spcPts val="0"/>
               </a:spcBef>
@@ -4339,7 +4649,7 @@
             </a:r>
           </a:p>
           <a:p>
-            <a:pPr lvl="0" rtl="0" algn="l">
+            <a:pPr lvl="0" algn="l" rtl="0">
               <a:spcBef>
                 <a:spcPts val="0"/>
               </a:spcBef>
@@ -4351,7 +4661,7 @@
             </a:r>
           </a:p>
           <a:p>
-            <a:pPr lvl="0" rtl="0" algn="l">
+            <a:pPr lvl="0" algn="l" rtl="0">
               <a:spcBef>
                 <a:spcPts val="0"/>
               </a:spcBef>
@@ -4374,7 +4684,7 @@
           <a:blip r:embed="rId4">
             <a:alphaModFix/>
           </a:blip>
-          <a:srcRect b="13680" l="-13680" r="13680" t="-13680"/>
+          <a:srcRect l="-13680" t="-13680" r="13680" b="13680"/>
           <a:stretch/>
         </p:blipFill>
         <p:spPr>
@@ -4402,12 +4712,12 @@
 </p:sld>
 </file>
 
-<file path=ppt/slides/slide2.xml><?xml version="1.0" encoding="utf-8"?>
-<p:sld xmlns:a="http://schemas.openxmlformats.org/drawingml/2006/main" xmlns:r="http://schemas.openxmlformats.org/officeDocument/2006/relationships" xmlns:mc="http://schemas.openxmlformats.org/markup-compatibility/2006" xmlns:mv="urn:schemas-microsoft-com:mac:vml" xmlns:p="http://schemas.openxmlformats.org/presentationml/2006/main" xmlns:c="http://schemas.openxmlformats.org/drawingml/2006/chart" xmlns:dgm="http://schemas.openxmlformats.org/drawingml/2006/diagram" xmlns:o="urn:schemas-microsoft-com:office:office" xmlns:v="urn:schemas-microsoft-com:vml" xmlns:pvml="urn:schemas-microsoft-com:office:powerpoint" xmlns:com="http://schemas.openxmlformats.org/drawingml/2006/compatibility" xmlns:p14="http://schemas.microsoft.com/office/powerpoint/2010/main">
+<file path=ppt/slides/slide3.xml><?xml version="1.0" encoding="utf-8"?>
+<p:sld xmlns:a="http://schemas.openxmlformats.org/drawingml/2006/main" xmlns:r="http://schemas.openxmlformats.org/officeDocument/2006/relationships" xmlns:p="http://schemas.openxmlformats.org/presentationml/2006/main">
   <p:cSld>
     <p:spTree>
       <p:nvGrpSpPr>
-        <p:cNvPr id="69" name="Shape 69"/>
+        <p:cNvPr id="1" name="Shape 69"/>
         <p:cNvGrpSpPr/>
         <p:nvPr/>
       </p:nvGrpSpPr>
@@ -4450,9 +4760,11 @@
       <p:sp>
         <p:nvSpPr>
           <p:cNvPr id="71" name="Shape 71"/>
-          <p:cNvSpPr txBox="1"/>
+          <p:cNvSpPr txBox="1">
+            <a:spLocks noGrp="1"/>
+          </p:cNvSpPr>
           <p:nvPr>
-            <p:ph idx="1" type="subTitle"/>
+            <p:ph type="subTitle" idx="1"/>
           </p:nvPr>
         </p:nvSpPr>
         <p:spPr>
@@ -4465,12 +4777,12 @@
           </a:prstGeom>
         </p:spPr>
         <p:txBody>
-          <a:bodyPr anchorCtr="0" anchor="t" bIns="91425" lIns="91425" rIns="91425" tIns="91425">
+          <a:bodyPr lIns="91425" tIns="91425" rIns="91425" bIns="91425" anchor="t" anchorCtr="0">
             <a:noAutofit/>
           </a:bodyPr>
           <a:lstStyle/>
           <a:p>
-            <a:pPr lvl="0" rtl="0" algn="l">
+            <a:pPr lvl="0" algn="l" rtl="0">
               <a:spcBef>
                 <a:spcPts val="0"/>
               </a:spcBef>
@@ -4486,7 +4798,9 @@
       <p:sp>
         <p:nvSpPr>
           <p:cNvPr id="72" name="Shape 72"/>
-          <p:cNvSpPr txBox="1"/>
+          <p:cNvSpPr txBox="1">
+            <a:spLocks noGrp="1"/>
+          </p:cNvSpPr>
           <p:nvPr>
             <p:ph type="ctrTitle"/>
           </p:nvPr>
@@ -4501,7 +4815,7 @@
           </a:prstGeom>
         </p:spPr>
         <p:txBody>
-          <a:bodyPr anchorCtr="0" anchor="b" bIns="91425" lIns="91425" rIns="91425" tIns="91425">
+          <a:bodyPr lIns="91425" tIns="91425" rIns="91425" bIns="91425" anchor="b" anchorCtr="0">
             <a:noAutofit/>
           </a:bodyPr>
           <a:lstStyle/>
@@ -4529,7 +4843,7 @@
           <a:blip r:embed="rId4">
             <a:alphaModFix/>
           </a:blip>
-          <a:srcRect b="13680" l="-13680" r="13680" t="-13680"/>
+          <a:srcRect l="-13680" t="-13680" r="13680" b="13680"/>
           <a:stretch/>
         </p:blipFill>
         <p:spPr>
@@ -4557,12 +4871,12 @@
 </p:sld>
 </file>
 
-<file path=ppt/slides/slide3.xml><?xml version="1.0" encoding="utf-8"?>
-<p:sld xmlns:a="http://schemas.openxmlformats.org/drawingml/2006/main" xmlns:r="http://schemas.openxmlformats.org/officeDocument/2006/relationships" xmlns:mc="http://schemas.openxmlformats.org/markup-compatibility/2006" xmlns:mv="urn:schemas-microsoft-com:mac:vml" xmlns:p="http://schemas.openxmlformats.org/presentationml/2006/main" xmlns:c="http://schemas.openxmlformats.org/drawingml/2006/chart" xmlns:dgm="http://schemas.openxmlformats.org/drawingml/2006/diagram" xmlns:o="urn:schemas-microsoft-com:office:office" xmlns:v="urn:schemas-microsoft-com:vml" xmlns:pvml="urn:schemas-microsoft-com:office:powerpoint" xmlns:com="http://schemas.openxmlformats.org/drawingml/2006/compatibility" xmlns:p14="http://schemas.microsoft.com/office/powerpoint/2010/main">
+<file path=ppt/slides/slide4.xml><?xml version="1.0" encoding="utf-8"?>
+<p:sld xmlns:a="http://schemas.openxmlformats.org/drawingml/2006/main" xmlns:r="http://schemas.openxmlformats.org/officeDocument/2006/relationships" xmlns:p="http://schemas.openxmlformats.org/presentationml/2006/main">
   <p:cSld>
     <p:spTree>
       <p:nvGrpSpPr>
-        <p:cNvPr id="77" name="Shape 77"/>
+        <p:cNvPr id="1" name="Shape 77"/>
         <p:cNvGrpSpPr/>
         <p:nvPr/>
       </p:nvGrpSpPr>
@@ -4605,7 +4919,9 @@
       <p:sp>
         <p:nvSpPr>
           <p:cNvPr id="79" name="Shape 79"/>
-          <p:cNvSpPr txBox="1"/>
+          <p:cNvSpPr txBox="1">
+            <a:spLocks noGrp="1"/>
+          </p:cNvSpPr>
           <p:nvPr>
             <p:ph type="ctrTitle"/>
           </p:nvPr>
@@ -4620,7 +4936,7 @@
           </a:prstGeom>
         </p:spPr>
         <p:txBody>
-          <a:bodyPr anchorCtr="0" anchor="b" bIns="91425" lIns="91425" rIns="91425" tIns="91425">
+          <a:bodyPr lIns="91425" tIns="91425" rIns="91425" bIns="91425" anchor="b" anchorCtr="0">
             <a:noAutofit/>
           </a:bodyPr>
           <a:lstStyle/>
@@ -4641,9 +4957,11 @@
       <p:sp>
         <p:nvSpPr>
           <p:cNvPr id="80" name="Shape 80"/>
-          <p:cNvSpPr txBox="1"/>
+          <p:cNvSpPr txBox="1">
+            <a:spLocks noGrp="1"/>
+          </p:cNvSpPr>
           <p:nvPr>
-            <p:ph idx="1" type="subTitle"/>
+            <p:ph type="subTitle" idx="1"/>
           </p:nvPr>
         </p:nvSpPr>
         <p:spPr>
@@ -4656,24 +4974,24 @@
           </a:prstGeom>
         </p:spPr>
         <p:txBody>
-          <a:bodyPr anchorCtr="0" anchor="t" bIns="91425" lIns="91425" rIns="91425" tIns="91425">
+          <a:bodyPr lIns="91425" tIns="91425" rIns="91425" bIns="91425" anchor="t" anchorCtr="0">
             <a:noAutofit/>
           </a:bodyPr>
           <a:lstStyle/>
           <a:p>
-            <a:pPr lvl="0" rtl="0" algn="l">
+            <a:pPr lvl="0" algn="l" rtl="0">
               <a:spcBef>
                 <a:spcPts val="0"/>
               </a:spcBef>
               <a:buNone/>
             </a:pPr>
             <a:r>
-              <a:rPr b="1" lang="fr"/>
+              <a:rPr lang="fr" b="1"/>
               <a:t>“Mes applis préférées, la sécurité en plus”</a:t>
             </a:r>
           </a:p>
           <a:p>
-            <a:pPr indent="-228600" lvl="0" marL="457200" rtl="0" algn="l">
+            <a:pPr marL="457200" lvl="0" indent="-228600" algn="l" rtl="0">
               <a:spcBef>
                 <a:spcPts val="0"/>
               </a:spcBef>
@@ -4685,7 +5003,7 @@
             </a:r>
           </a:p>
           <a:p>
-            <a:pPr indent="-228600" lvl="0" marL="457200" rtl="0" algn="l">
+            <a:pPr marL="457200" lvl="0" indent="-228600" algn="l" rtl="0">
               <a:spcBef>
                 <a:spcPts val="0"/>
               </a:spcBef>
@@ -4697,7 +5015,7 @@
             </a:r>
           </a:p>
           <a:p>
-            <a:pPr indent="-228600" lvl="0" marL="457200" rtl="0" algn="l">
+            <a:pPr marL="457200" lvl="0" indent="-228600" algn="l" rtl="0">
               <a:spcBef>
                 <a:spcPts val="0"/>
               </a:spcBef>
@@ -4715,9 +5033,6 @@
               </a:spcBef>
               <a:buNone/>
             </a:pPr>
-            <a:r>
-              <a:t/>
-            </a:r>
             <a:endParaRPr/>
           </a:p>
         </p:txBody>
@@ -4732,7 +5047,7 @@
           <a:blip r:embed="rId4">
             <a:alphaModFix/>
           </a:blip>
-          <a:srcRect b="13680" l="-13680" r="13680" t="-13680"/>
+          <a:srcRect l="-13680" t="-13680" r="13680" b="13680"/>
           <a:stretch/>
         </p:blipFill>
         <p:spPr>
@@ -4760,12 +5075,12 @@
 </p:sld>
 </file>
 
-<file path=ppt/slides/slide4.xml><?xml version="1.0" encoding="utf-8"?>
-<p:sld xmlns:a="http://schemas.openxmlformats.org/drawingml/2006/main" xmlns:r="http://schemas.openxmlformats.org/officeDocument/2006/relationships" xmlns:mc="http://schemas.openxmlformats.org/markup-compatibility/2006" xmlns:mv="urn:schemas-microsoft-com:mac:vml" xmlns:p="http://schemas.openxmlformats.org/presentationml/2006/main" xmlns:c="http://schemas.openxmlformats.org/drawingml/2006/chart" xmlns:dgm="http://schemas.openxmlformats.org/drawingml/2006/diagram" xmlns:o="urn:schemas-microsoft-com:office:office" xmlns:v="urn:schemas-microsoft-com:vml" xmlns:pvml="urn:schemas-microsoft-com:office:powerpoint" xmlns:com="http://schemas.openxmlformats.org/drawingml/2006/compatibility" xmlns:p14="http://schemas.microsoft.com/office/powerpoint/2010/main">
+<file path=ppt/slides/slide5.xml><?xml version="1.0" encoding="utf-8"?>
+<p:sld xmlns:a="http://schemas.openxmlformats.org/drawingml/2006/main" xmlns:r="http://schemas.openxmlformats.org/officeDocument/2006/relationships" xmlns:p="http://schemas.openxmlformats.org/presentationml/2006/main">
   <p:cSld>
     <p:spTree>
       <p:nvGrpSpPr>
-        <p:cNvPr id="85" name="Shape 85"/>
+        <p:cNvPr id="1" name="Shape 85"/>
         <p:cNvGrpSpPr/>
         <p:nvPr/>
       </p:nvGrpSpPr>
@@ -4808,7 +5123,9 @@
       <p:sp>
         <p:nvSpPr>
           <p:cNvPr id="87" name="Shape 87"/>
-          <p:cNvSpPr txBox="1"/>
+          <p:cNvSpPr txBox="1">
+            <a:spLocks noGrp="1"/>
+          </p:cNvSpPr>
           <p:nvPr>
             <p:ph type="ctrTitle"/>
           </p:nvPr>
@@ -4823,7 +5140,7 @@
           </a:prstGeom>
         </p:spPr>
         <p:txBody>
-          <a:bodyPr anchorCtr="0" anchor="b" bIns="91425" lIns="91425" rIns="91425" tIns="91425">
+          <a:bodyPr lIns="91425" tIns="91425" rIns="91425" bIns="91425" anchor="b" anchorCtr="0">
             <a:noAutofit/>
           </a:bodyPr>
           <a:lstStyle/>
@@ -4844,9 +5161,11 @@
       <p:sp>
         <p:nvSpPr>
           <p:cNvPr id="88" name="Shape 88"/>
-          <p:cNvSpPr txBox="1"/>
+          <p:cNvSpPr txBox="1">
+            <a:spLocks noGrp="1"/>
+          </p:cNvSpPr>
           <p:nvPr>
-            <p:ph idx="1" type="subTitle"/>
+            <p:ph type="subTitle" idx="1"/>
           </p:nvPr>
         </p:nvSpPr>
         <p:spPr>
@@ -4859,12 +5178,12 @@
           </a:prstGeom>
         </p:spPr>
         <p:txBody>
-          <a:bodyPr anchorCtr="0" anchor="t" bIns="91425" lIns="91425" rIns="91425" tIns="91425">
+          <a:bodyPr lIns="91425" tIns="91425" rIns="91425" bIns="91425" anchor="t" anchorCtr="0">
             <a:noAutofit/>
           </a:bodyPr>
           <a:lstStyle/>
           <a:p>
-            <a:pPr lvl="0" rtl="0" algn="l">
+            <a:pPr lvl="0" algn="l" rtl="0">
               <a:spcBef>
                 <a:spcPts val="0"/>
               </a:spcBef>
@@ -4876,7 +5195,7 @@
             </a:r>
           </a:p>
           <a:p>
-            <a:pPr indent="-228600" lvl="0" marL="457200" rtl="0" algn="l">
+            <a:pPr marL="457200" lvl="0" indent="-228600" algn="l" rtl="0">
               <a:spcBef>
                 <a:spcPts val="0"/>
               </a:spcBef>
@@ -4888,7 +5207,7 @@
             </a:r>
           </a:p>
           <a:p>
-            <a:pPr indent="-228600" lvl="0" marL="457200" rtl="0" algn="l">
+            <a:pPr marL="457200" lvl="0" indent="-228600" algn="l" rtl="0">
               <a:spcBef>
                 <a:spcPts val="0"/>
               </a:spcBef>
@@ -4900,7 +5219,7 @@
             </a:r>
           </a:p>
           <a:p>
-            <a:pPr indent="-228600" lvl="0" marL="457200" rtl="0" algn="l">
+            <a:pPr marL="457200" lvl="0" indent="-228600" algn="l" rtl="0">
               <a:spcBef>
                 <a:spcPts val="0"/>
               </a:spcBef>
@@ -4912,7 +5231,7 @@
             </a:r>
           </a:p>
           <a:p>
-            <a:pPr lvl="0" rtl="0" algn="l">
+            <a:pPr lvl="0" algn="l" rtl="0">
               <a:spcBef>
                 <a:spcPts val="0"/>
               </a:spcBef>
@@ -4924,7 +5243,7 @@
             </a:r>
           </a:p>
           <a:p>
-            <a:pPr lvl="0" rtl="0" algn="l">
+            <a:pPr lvl="0" algn="l" rtl="0">
               <a:spcBef>
                 <a:spcPts val="0"/>
               </a:spcBef>
@@ -4947,7 +5266,7 @@
           <a:blip r:embed="rId4">
             <a:alphaModFix/>
           </a:blip>
-          <a:srcRect b="13680" l="-13680" r="13680" t="-13680"/>
+          <a:srcRect l="-13680" t="-13680" r="13680" b="13680"/>
           <a:stretch/>
         </p:blipFill>
         <p:spPr>
@@ -4975,8 +5294,333 @@
 </p:sld>
 </file>
 
-<file path=ppt/theme/theme.xml><?xml version="1.0" encoding="utf-8"?>
-<a:theme xmlns:a="http://schemas.openxmlformats.org/drawingml/2006/main" xmlns:r="http://schemas.openxmlformats.org/officeDocument/2006/relationships" name="Custom Theme">
+<file path=ppt/slides/slide6.xml><?xml version="1.0" encoding="utf-8"?>
+<p:sld xmlns:a="http://schemas.openxmlformats.org/drawingml/2006/main" xmlns:r="http://schemas.openxmlformats.org/officeDocument/2006/relationships" xmlns:p="http://schemas.openxmlformats.org/presentationml/2006/main">
+  <p:cSld>
+    <p:spTree>
+      <p:nvGrpSpPr>
+        <p:cNvPr id="1" name=""/>
+        <p:cNvGrpSpPr/>
+        <p:nvPr/>
+      </p:nvGrpSpPr>
+      <p:grpSpPr>
+        <a:xfrm>
+          <a:off x="0" y="0"/>
+          <a:ext cx="0" cy="0"/>
+          <a:chOff x="0" y="0"/>
+          <a:chExt cx="0" cy="0"/>
+        </a:xfrm>
+      </p:grpSpPr>
+      <p:sp>
+        <p:nvSpPr>
+          <p:cNvPr id="2" name="Titre 1"/>
+          <p:cNvSpPr>
+            <a:spLocks noGrp="1"/>
+          </p:cNvSpPr>
+          <p:nvPr>
+            <p:ph type="title"/>
+          </p:nvPr>
+        </p:nvSpPr>
+        <p:spPr/>
+        <p:txBody>
+          <a:bodyPr/>
+          <a:lstStyle/>
+          <a:p>
+            <a:endParaRPr lang="fr-FR"/>
+          </a:p>
+        </p:txBody>
+      </p:sp>
+    </p:spTree>
+  </p:cSld>
+  <p:clrMapOvr>
+    <a:masterClrMapping/>
+  </p:clrMapOvr>
+</p:sld>
+</file>
+
+<file path=ppt/theme/theme1.xml><?xml version="1.0" encoding="utf-8"?>
+<a:theme xmlns:a="http://schemas.openxmlformats.org/drawingml/2006/main" name="simple-light-2">
+  <a:themeElements>
+    <a:clrScheme name="Simple Light">
+      <a:dk1>
+        <a:srgbClr val="000000"/>
+      </a:dk1>
+      <a:lt1>
+        <a:srgbClr val="FFFFFF"/>
+      </a:lt1>
+      <a:dk2>
+        <a:srgbClr val="595959"/>
+      </a:dk2>
+      <a:lt2>
+        <a:srgbClr val="EEEEEE"/>
+      </a:lt2>
+      <a:accent1>
+        <a:srgbClr val="FFAB40"/>
+      </a:accent1>
+      <a:accent2>
+        <a:srgbClr val="212121"/>
+      </a:accent2>
+      <a:accent3>
+        <a:srgbClr val="78909C"/>
+      </a:accent3>
+      <a:accent4>
+        <a:srgbClr val="FFAB40"/>
+      </a:accent4>
+      <a:accent5>
+        <a:srgbClr val="0097A7"/>
+      </a:accent5>
+      <a:accent6>
+        <a:srgbClr val="EEFF41"/>
+      </a:accent6>
+      <a:hlink>
+        <a:srgbClr val="0097A7"/>
+      </a:hlink>
+      <a:folHlink>
+        <a:srgbClr val="0097A7"/>
+      </a:folHlink>
+    </a:clrScheme>
+    <a:fontScheme name="Office">
+      <a:majorFont>
+        <a:latin typeface="Arial"/>
+        <a:ea typeface=""/>
+        <a:cs typeface=""/>
+        <a:font script="Jpan" typeface="ＭＳ Ｐゴシック"/>
+        <a:font script="Hang" typeface="맑은 고딕"/>
+        <a:font script="Hans" typeface="宋体"/>
+        <a:font script="Hant" typeface="新細明體"/>
+        <a:font script="Arab" typeface="Times New Roman"/>
+        <a:font script="Hebr" typeface="Times New Roman"/>
+        <a:font script="Thai" typeface="Angsana New"/>
+        <a:font script="Ethi" typeface="Nyala"/>
+        <a:font script="Beng" typeface="Vrinda"/>
+        <a:font script="Gujr" typeface="Shruti"/>
+        <a:font script="Khmr" typeface="MoolBoran"/>
+        <a:font script="Knda" typeface="Tunga"/>
+        <a:font script="Guru" typeface="Raavi"/>
+        <a:font script="Cans" typeface="Euphemia"/>
+        <a:font script="Cher" typeface="Plantagenet Cherokee"/>
+        <a:font script="Yiii" typeface="Microsoft Yi Baiti"/>
+        <a:font script="Tibt" typeface="Microsoft Himalaya"/>
+        <a:font script="Thaa" typeface="MV Boli"/>
+        <a:font script="Deva" typeface="Mangal"/>
+        <a:font script="Telu" typeface="Gautami"/>
+        <a:font script="Taml" typeface="Latha"/>
+        <a:font script="Syrc" typeface="Estrangelo Edessa"/>
+        <a:font script="Orya" typeface="Kalinga"/>
+        <a:font script="Mlym" typeface="Kartika"/>
+        <a:font script="Laoo" typeface="DokChampa"/>
+        <a:font script="Sinh" typeface="Iskoola Pota"/>
+        <a:font script="Mong" typeface="Mongolian Baiti"/>
+        <a:font script="Viet" typeface="Times New Roman"/>
+        <a:font script="Uigh" typeface="Microsoft Uighur"/>
+        <a:font script="Geor" typeface="Sylfaen"/>
+      </a:majorFont>
+      <a:minorFont>
+        <a:latin typeface="Arial"/>
+        <a:ea typeface=""/>
+        <a:cs typeface=""/>
+        <a:font script="Jpan" typeface="ＭＳ Ｐゴシック"/>
+        <a:font script="Hang" typeface="맑은 고딕"/>
+        <a:font script="Hans" typeface="宋体"/>
+        <a:font script="Hant" typeface="新細明體"/>
+        <a:font script="Arab" typeface="Arial"/>
+        <a:font script="Hebr" typeface="Arial"/>
+        <a:font script="Thai" typeface="Cordia New"/>
+        <a:font script="Ethi" typeface="Nyala"/>
+        <a:font script="Beng" typeface="Vrinda"/>
+        <a:font script="Gujr" typeface="Shruti"/>
+        <a:font script="Khmr" typeface="DaunPenh"/>
+        <a:font script="Knda" typeface="Tunga"/>
+        <a:font script="Guru" typeface="Raavi"/>
+        <a:font script="Cans" typeface="Euphemia"/>
+        <a:font script="Cher" typeface="Plantagenet Cherokee"/>
+        <a:font script="Yiii" typeface="Microsoft Yi Baiti"/>
+        <a:font script="Tibt" typeface="Microsoft Himalaya"/>
+        <a:font script="Thaa" typeface="MV Boli"/>
+        <a:font script="Deva" typeface="Mangal"/>
+        <a:font script="Telu" typeface="Gautami"/>
+        <a:font script="Taml" typeface="Latha"/>
+        <a:font script="Syrc" typeface="Estrangelo Edessa"/>
+        <a:font script="Orya" typeface="Kalinga"/>
+        <a:font script="Mlym" typeface="Kartika"/>
+        <a:font script="Laoo" typeface="DokChampa"/>
+        <a:font script="Sinh" typeface="Iskoola Pota"/>
+        <a:font script="Mong" typeface="Mongolian Baiti"/>
+        <a:font script="Viet" typeface="Arial"/>
+        <a:font script="Uigh" typeface="Microsoft Uighur"/>
+        <a:font script="Geor" typeface="Sylfaen"/>
+      </a:minorFont>
+    </a:fontScheme>
+    <a:fmtScheme name="Office">
+      <a:fillStyleLst>
+        <a:solidFill>
+          <a:schemeClr val="phClr"/>
+        </a:solidFill>
+        <a:gradFill rotWithShape="1">
+          <a:gsLst>
+            <a:gs pos="0">
+              <a:schemeClr val="phClr">
+                <a:tint val="50000"/>
+                <a:satMod val="300000"/>
+              </a:schemeClr>
+            </a:gs>
+            <a:gs pos="35000">
+              <a:schemeClr val="phClr">
+                <a:tint val="37000"/>
+                <a:satMod val="300000"/>
+              </a:schemeClr>
+            </a:gs>
+            <a:gs pos="100000">
+              <a:schemeClr val="phClr">
+                <a:tint val="15000"/>
+                <a:satMod val="350000"/>
+              </a:schemeClr>
+            </a:gs>
+          </a:gsLst>
+          <a:lin ang="16200000" scaled="1"/>
+        </a:gradFill>
+        <a:gradFill rotWithShape="1">
+          <a:gsLst>
+            <a:gs pos="0">
+              <a:schemeClr val="phClr">
+                <a:tint val="100000"/>
+                <a:shade val="100000"/>
+                <a:satMod val="130000"/>
+              </a:schemeClr>
+            </a:gs>
+            <a:gs pos="100000">
+              <a:schemeClr val="phClr">
+                <a:tint val="50000"/>
+                <a:shade val="100000"/>
+                <a:satMod val="350000"/>
+              </a:schemeClr>
+            </a:gs>
+          </a:gsLst>
+          <a:lin ang="16200000" scaled="0"/>
+        </a:gradFill>
+      </a:fillStyleLst>
+      <a:lnStyleLst>
+        <a:ln w="9525" cap="flat" cmpd="sng" algn="ctr">
+          <a:solidFill>
+            <a:schemeClr val="phClr">
+              <a:shade val="95000"/>
+              <a:satMod val="105000"/>
+            </a:schemeClr>
+          </a:solidFill>
+          <a:prstDash val="solid"/>
+        </a:ln>
+        <a:ln w="25400" cap="flat" cmpd="sng" algn="ctr">
+          <a:solidFill>
+            <a:schemeClr val="phClr"/>
+          </a:solidFill>
+          <a:prstDash val="solid"/>
+        </a:ln>
+        <a:ln w="38100" cap="flat" cmpd="sng" algn="ctr">
+          <a:solidFill>
+            <a:schemeClr val="phClr"/>
+          </a:solidFill>
+          <a:prstDash val="solid"/>
+        </a:ln>
+      </a:lnStyleLst>
+      <a:effectStyleLst>
+        <a:effectStyle>
+          <a:effectLst>
+            <a:outerShdw blurRad="40000" dist="20000" dir="5400000" rotWithShape="0">
+              <a:srgbClr val="000000">
+                <a:alpha val="38000"/>
+              </a:srgbClr>
+            </a:outerShdw>
+          </a:effectLst>
+        </a:effectStyle>
+        <a:effectStyle>
+          <a:effectLst>
+            <a:outerShdw blurRad="40000" dist="23000" dir="5400000" rotWithShape="0">
+              <a:srgbClr val="000000">
+                <a:alpha val="35000"/>
+              </a:srgbClr>
+            </a:outerShdw>
+          </a:effectLst>
+        </a:effectStyle>
+        <a:effectStyle>
+          <a:effectLst>
+            <a:outerShdw blurRad="40000" dist="23000" dir="5400000" rotWithShape="0">
+              <a:srgbClr val="000000">
+                <a:alpha val="35000"/>
+              </a:srgbClr>
+            </a:outerShdw>
+          </a:effectLst>
+          <a:scene3d>
+            <a:camera prst="orthographicFront">
+              <a:rot lat="0" lon="0" rev="0"/>
+            </a:camera>
+            <a:lightRig rig="threePt" dir="t">
+              <a:rot lat="0" lon="0" rev="1200000"/>
+            </a:lightRig>
+          </a:scene3d>
+          <a:sp3d>
+            <a:bevelT w="63500" h="25400"/>
+          </a:sp3d>
+        </a:effectStyle>
+      </a:effectStyleLst>
+      <a:bgFillStyleLst>
+        <a:solidFill>
+          <a:schemeClr val="phClr"/>
+        </a:solidFill>
+        <a:gradFill rotWithShape="1">
+          <a:gsLst>
+            <a:gs pos="0">
+              <a:schemeClr val="phClr">
+                <a:tint val="40000"/>
+                <a:satMod val="350000"/>
+              </a:schemeClr>
+            </a:gs>
+            <a:gs pos="40000">
+              <a:schemeClr val="phClr">
+                <a:tint val="45000"/>
+                <a:shade val="99000"/>
+                <a:satMod val="350000"/>
+              </a:schemeClr>
+            </a:gs>
+            <a:gs pos="100000">
+              <a:schemeClr val="phClr">
+                <a:shade val="20000"/>
+                <a:satMod val="255000"/>
+              </a:schemeClr>
+            </a:gs>
+          </a:gsLst>
+          <a:path path="circle">
+            <a:fillToRect l="50000" t="-80000" r="50000" b="180000"/>
+          </a:path>
+        </a:gradFill>
+        <a:gradFill rotWithShape="1">
+          <a:gsLst>
+            <a:gs pos="0">
+              <a:schemeClr val="phClr">
+                <a:tint val="80000"/>
+                <a:satMod val="300000"/>
+              </a:schemeClr>
+            </a:gs>
+            <a:gs pos="100000">
+              <a:schemeClr val="phClr">
+                <a:shade val="30000"/>
+                <a:satMod val="200000"/>
+              </a:schemeClr>
+            </a:gs>
+          </a:gsLst>
+          <a:path path="circle">
+            <a:fillToRect l="50000" t="50000" r="50000" b="50000"/>
+          </a:path>
+        </a:gradFill>
+      </a:bgFillStyleLst>
+    </a:fmtScheme>
+  </a:themeElements>
+  <a:objectDefaults/>
+  <a:extraClrSchemeLst/>
+</a:theme>
+</file>
+
+<file path=ppt/theme/theme2.xml><?xml version="1.0" encoding="utf-8"?>
+<a:theme xmlns:a="http://schemas.openxmlformats.org/drawingml/2006/main" name="Custom Theme">
   <a:themeElements>
     <a:clrScheme name="Default">
       <a:dk1>
@@ -5251,284 +5895,7 @@
       </a:bgFillStyleLst>
     </a:fmtScheme>
   </a:themeElements>
-</a:theme>
-</file>
-
-<file path=ppt/theme/theme1.xml><?xml version="1.0" encoding="utf-8"?>
-<a:theme xmlns:a="http://schemas.openxmlformats.org/drawingml/2006/main" xmlns:r="http://schemas.openxmlformats.org/officeDocument/2006/relationships" name="simple-light-2">
-  <a:themeElements>
-    <a:clrScheme name="Simple Light">
-      <a:dk1>
-        <a:srgbClr val="000000"/>
-      </a:dk1>
-      <a:lt1>
-        <a:srgbClr val="FFFFFF"/>
-      </a:lt1>
-      <a:dk2>
-        <a:srgbClr val="595959"/>
-      </a:dk2>
-      <a:lt2>
-        <a:srgbClr val="EEEEEE"/>
-      </a:lt2>
-      <a:accent1>
-        <a:srgbClr val="FFAB40"/>
-      </a:accent1>
-      <a:accent2>
-        <a:srgbClr val="212121"/>
-      </a:accent2>
-      <a:accent3>
-        <a:srgbClr val="78909C"/>
-      </a:accent3>
-      <a:accent4>
-        <a:srgbClr val="FFAB40"/>
-      </a:accent4>
-      <a:accent5>
-        <a:srgbClr val="0097A7"/>
-      </a:accent5>
-      <a:accent6>
-        <a:srgbClr val="EEFF41"/>
-      </a:accent6>
-      <a:hlink>
-        <a:srgbClr val="0097A7"/>
-      </a:hlink>
-      <a:folHlink>
-        <a:srgbClr val="0097A7"/>
-      </a:folHlink>
-    </a:clrScheme>
-    <a:fontScheme name="Office">
-      <a:majorFont>
-        <a:latin typeface="Arial"/>
-        <a:ea typeface=""/>
-        <a:cs typeface=""/>
-        <a:font script="Jpan" typeface="ＭＳ Ｐゴシック"/>
-        <a:font script="Hang" typeface="맑은 고딕"/>
-        <a:font script="Hans" typeface="宋体"/>
-        <a:font script="Hant" typeface="新細明體"/>
-        <a:font script="Arab" typeface="Times New Roman"/>
-        <a:font script="Hebr" typeface="Times New Roman"/>
-        <a:font script="Thai" typeface="Angsana New"/>
-        <a:font script="Ethi" typeface="Nyala"/>
-        <a:font script="Beng" typeface="Vrinda"/>
-        <a:font script="Gujr" typeface="Shruti"/>
-        <a:font script="Khmr" typeface="MoolBoran"/>
-        <a:font script="Knda" typeface="Tunga"/>
-        <a:font script="Guru" typeface="Raavi"/>
-        <a:font script="Cans" typeface="Euphemia"/>
-        <a:font script="Cher" typeface="Plantagenet Cherokee"/>
-        <a:font script="Yiii" typeface="Microsoft Yi Baiti"/>
-        <a:font script="Tibt" typeface="Microsoft Himalaya"/>
-        <a:font script="Thaa" typeface="MV Boli"/>
-        <a:font script="Deva" typeface="Mangal"/>
-        <a:font script="Telu" typeface="Gautami"/>
-        <a:font script="Taml" typeface="Latha"/>
-        <a:font script="Syrc" typeface="Estrangelo Edessa"/>
-        <a:font script="Orya" typeface="Kalinga"/>
-        <a:font script="Mlym" typeface="Kartika"/>
-        <a:font script="Laoo" typeface="DokChampa"/>
-        <a:font script="Sinh" typeface="Iskoola Pota"/>
-        <a:font script="Mong" typeface="Mongolian Baiti"/>
-        <a:font script="Viet" typeface="Times New Roman"/>
-        <a:font script="Uigh" typeface="Microsoft Uighur"/>
-        <a:font script="Geor" typeface="Sylfaen"/>
-      </a:majorFont>
-      <a:minorFont>
-        <a:latin typeface="Arial"/>
-        <a:ea typeface=""/>
-        <a:cs typeface=""/>
-        <a:font script="Jpan" typeface="ＭＳ Ｐゴシック"/>
-        <a:font script="Hang" typeface="맑은 고딕"/>
-        <a:font script="Hans" typeface="宋体"/>
-        <a:font script="Hant" typeface="新細明體"/>
-        <a:font script="Arab" typeface="Arial"/>
-        <a:font script="Hebr" typeface="Arial"/>
-        <a:font script="Thai" typeface="Cordia New"/>
-        <a:font script="Ethi" typeface="Nyala"/>
-        <a:font script="Beng" typeface="Vrinda"/>
-        <a:font script="Gujr" typeface="Shruti"/>
-        <a:font script="Khmr" typeface="DaunPenh"/>
-        <a:font script="Knda" typeface="Tunga"/>
-        <a:font script="Guru" typeface="Raavi"/>
-        <a:font script="Cans" typeface="Euphemia"/>
-        <a:font script="Cher" typeface="Plantagenet Cherokee"/>
-        <a:font script="Yiii" typeface="Microsoft Yi Baiti"/>
-        <a:font script="Tibt" typeface="Microsoft Himalaya"/>
-        <a:font script="Thaa" typeface="MV Boli"/>
-        <a:font script="Deva" typeface="Mangal"/>
-        <a:font script="Telu" typeface="Gautami"/>
-        <a:font script="Taml" typeface="Latha"/>
-        <a:font script="Syrc" typeface="Estrangelo Edessa"/>
-        <a:font script="Orya" typeface="Kalinga"/>
-        <a:font script="Mlym" typeface="Kartika"/>
-        <a:font script="Laoo" typeface="DokChampa"/>
-        <a:font script="Sinh" typeface="Iskoola Pota"/>
-        <a:font script="Mong" typeface="Mongolian Baiti"/>
-        <a:font script="Viet" typeface="Arial"/>
-        <a:font script="Uigh" typeface="Microsoft Uighur"/>
-        <a:font script="Geor" typeface="Sylfaen"/>
-      </a:minorFont>
-    </a:fontScheme>
-    <a:fmtScheme name="Office">
-      <a:fillStyleLst>
-        <a:solidFill>
-          <a:schemeClr val="phClr"/>
-        </a:solidFill>
-        <a:gradFill rotWithShape="1">
-          <a:gsLst>
-            <a:gs pos="0">
-              <a:schemeClr val="phClr">
-                <a:tint val="50000"/>
-                <a:satMod val="300000"/>
-              </a:schemeClr>
-            </a:gs>
-            <a:gs pos="35000">
-              <a:schemeClr val="phClr">
-                <a:tint val="37000"/>
-                <a:satMod val="300000"/>
-              </a:schemeClr>
-            </a:gs>
-            <a:gs pos="100000">
-              <a:schemeClr val="phClr">
-                <a:tint val="15000"/>
-                <a:satMod val="350000"/>
-              </a:schemeClr>
-            </a:gs>
-          </a:gsLst>
-          <a:lin ang="16200000" scaled="1"/>
-        </a:gradFill>
-        <a:gradFill rotWithShape="1">
-          <a:gsLst>
-            <a:gs pos="0">
-              <a:schemeClr val="phClr">
-                <a:tint val="100000"/>
-                <a:shade val="100000"/>
-                <a:satMod val="130000"/>
-              </a:schemeClr>
-            </a:gs>
-            <a:gs pos="100000">
-              <a:schemeClr val="phClr">
-                <a:tint val="50000"/>
-                <a:shade val="100000"/>
-                <a:satMod val="350000"/>
-              </a:schemeClr>
-            </a:gs>
-          </a:gsLst>
-          <a:lin ang="16200000" scaled="0"/>
-        </a:gradFill>
-      </a:fillStyleLst>
-      <a:lnStyleLst>
-        <a:ln w="9525" cap="flat" cmpd="sng" algn="ctr">
-          <a:solidFill>
-            <a:schemeClr val="phClr">
-              <a:shade val="95000"/>
-              <a:satMod val="105000"/>
-            </a:schemeClr>
-          </a:solidFill>
-          <a:prstDash val="solid"/>
-        </a:ln>
-        <a:ln w="25400" cap="flat" cmpd="sng" algn="ctr">
-          <a:solidFill>
-            <a:schemeClr val="phClr"/>
-          </a:solidFill>
-          <a:prstDash val="solid"/>
-        </a:ln>
-        <a:ln w="38100" cap="flat" cmpd="sng" algn="ctr">
-          <a:solidFill>
-            <a:schemeClr val="phClr"/>
-          </a:solidFill>
-          <a:prstDash val="solid"/>
-        </a:ln>
-      </a:lnStyleLst>
-      <a:effectStyleLst>
-        <a:effectStyle>
-          <a:effectLst>
-            <a:outerShdw blurRad="40000" dist="20000" dir="5400000" rotWithShape="0">
-              <a:srgbClr val="000000">
-                <a:alpha val="38000"/>
-              </a:srgbClr>
-            </a:outerShdw>
-          </a:effectLst>
-        </a:effectStyle>
-        <a:effectStyle>
-          <a:effectLst>
-            <a:outerShdw blurRad="40000" dist="23000" dir="5400000" rotWithShape="0">
-              <a:srgbClr val="000000">
-                <a:alpha val="35000"/>
-              </a:srgbClr>
-            </a:outerShdw>
-          </a:effectLst>
-        </a:effectStyle>
-        <a:effectStyle>
-          <a:effectLst>
-            <a:outerShdw blurRad="40000" dist="23000" dir="5400000" rotWithShape="0">
-              <a:srgbClr val="000000">
-                <a:alpha val="35000"/>
-              </a:srgbClr>
-            </a:outerShdw>
-          </a:effectLst>
-          <a:scene3d>
-            <a:camera prst="orthographicFront">
-              <a:rot lat="0" lon="0" rev="0"/>
-            </a:camera>
-            <a:lightRig rig="threePt" dir="t">
-              <a:rot lat="0" lon="0" rev="1200000"/>
-            </a:lightRig>
-          </a:scene3d>
-          <a:sp3d>
-            <a:bevelT w="63500" h="25400"/>
-          </a:sp3d>
-        </a:effectStyle>
-      </a:effectStyleLst>
-      <a:bgFillStyleLst>
-        <a:solidFill>
-          <a:schemeClr val="phClr"/>
-        </a:solidFill>
-        <a:gradFill rotWithShape="1">
-          <a:gsLst>
-            <a:gs pos="0">
-              <a:schemeClr val="phClr">
-                <a:tint val="40000"/>
-                <a:satMod val="350000"/>
-              </a:schemeClr>
-            </a:gs>
-            <a:gs pos="40000">
-              <a:schemeClr val="phClr">
-                <a:tint val="45000"/>
-                <a:shade val="99000"/>
-                <a:satMod val="350000"/>
-              </a:schemeClr>
-            </a:gs>
-            <a:gs pos="100000">
-              <a:schemeClr val="phClr">
-                <a:shade val="20000"/>
-                <a:satMod val="255000"/>
-              </a:schemeClr>
-            </a:gs>
-          </a:gsLst>
-          <a:path path="circle">
-            <a:fillToRect l="50000" t="-80000" r="50000" b="180000"/>
-          </a:path>
-        </a:gradFill>
-        <a:gradFill rotWithShape="1">
-          <a:gsLst>
-            <a:gs pos="0">
-              <a:schemeClr val="phClr">
-                <a:tint val="80000"/>
-                <a:satMod val="300000"/>
-              </a:schemeClr>
-            </a:gs>
-            <a:gs pos="100000">
-              <a:schemeClr val="phClr">
-                <a:shade val="30000"/>
-                <a:satMod val="200000"/>
-              </a:schemeClr>
-            </a:gs>
-          </a:gsLst>
-          <a:path path="circle">
-            <a:fillToRect l="50000" t="50000" r="50000" b="50000"/>
-          </a:path>
-        </a:gradFill>
-      </a:bgFillStyleLst>
-    </a:fmtScheme>
-  </a:themeElements>
+  <a:objectDefaults/>
+  <a:extraClrSchemeLst/>
 </a:theme>
 </file>